--- a/c++.pptx
+++ b/c++.pptx
@@ -43,6 +43,20 @@
     <p:sldId id="290" r:id="rId37"/>
     <p:sldId id="292" r:id="rId38"/>
     <p:sldId id="294" r:id="rId39"/>
+    <p:sldId id="295" r:id="rId40"/>
+    <p:sldId id="296" r:id="rId41"/>
+    <p:sldId id="297" r:id="rId42"/>
+    <p:sldId id="298" r:id="rId43"/>
+    <p:sldId id="299" r:id="rId44"/>
+    <p:sldId id="300" r:id="rId45"/>
+    <p:sldId id="301" r:id="rId46"/>
+    <p:sldId id="302" r:id="rId47"/>
+    <p:sldId id="303" r:id="rId48"/>
+    <p:sldId id="304" r:id="rId49"/>
+    <p:sldId id="305" r:id="rId50"/>
+    <p:sldId id="306" r:id="rId51"/>
+    <p:sldId id="308" r:id="rId52"/>
+    <p:sldId id="309" r:id="rId53"/>
   </p:sldIdLst>
   <p:sldSz cx="9144000" cy="6858000" type="screen4x3"/>
   <p:notesSz cx="6858000" cy="9144000"/>
@@ -340,7 +354,7 @@
             <a:fld id="{1D8BD707-D9CF-40AE-B4C6-C98DA3205C09}" type="datetimeFigureOut">
               <a:rPr lang="en-US" smtClean="0"/>
               <a:pPr/>
-              <a:t>1/7/2024</a:t>
+              <a:t>2/8/2024</a:t>
             </a:fld>
             <a:endParaRPr lang="en-US"/>
           </a:p>
@@ -505,7 +519,7 @@
             <a:fld id="{1D8BD707-D9CF-40AE-B4C6-C98DA3205C09}" type="datetimeFigureOut">
               <a:rPr lang="en-US" smtClean="0"/>
               <a:pPr/>
-              <a:t>1/7/2024</a:t>
+              <a:t>2/8/2024</a:t>
             </a:fld>
             <a:endParaRPr lang="en-US"/>
           </a:p>
@@ -680,7 +694,7 @@
             <a:fld id="{1D8BD707-D9CF-40AE-B4C6-C98DA3205C09}" type="datetimeFigureOut">
               <a:rPr lang="en-US" smtClean="0"/>
               <a:pPr/>
-              <a:t>1/7/2024</a:t>
+              <a:t>2/8/2024</a:t>
             </a:fld>
             <a:endParaRPr lang="en-US"/>
           </a:p>
@@ -845,7 +859,7 @@
             <a:fld id="{1D8BD707-D9CF-40AE-B4C6-C98DA3205C09}" type="datetimeFigureOut">
               <a:rPr lang="en-US" smtClean="0"/>
               <a:pPr/>
-              <a:t>1/7/2024</a:t>
+              <a:t>2/8/2024</a:t>
             </a:fld>
             <a:endParaRPr lang="en-US"/>
           </a:p>
@@ -1087,7 +1101,7 @@
             <a:fld id="{1D8BD707-D9CF-40AE-B4C6-C98DA3205C09}" type="datetimeFigureOut">
               <a:rPr lang="en-US" smtClean="0"/>
               <a:pPr/>
-              <a:t>1/7/2024</a:t>
+              <a:t>2/8/2024</a:t>
             </a:fld>
             <a:endParaRPr lang="en-US"/>
           </a:p>
@@ -1369,7 +1383,7 @@
             <a:fld id="{1D8BD707-D9CF-40AE-B4C6-C98DA3205C09}" type="datetimeFigureOut">
               <a:rPr lang="en-US" smtClean="0"/>
               <a:pPr/>
-              <a:t>1/7/2024</a:t>
+              <a:t>2/8/2024</a:t>
             </a:fld>
             <a:endParaRPr lang="en-US"/>
           </a:p>
@@ -1785,7 +1799,7 @@
             <a:fld id="{1D8BD707-D9CF-40AE-B4C6-C98DA3205C09}" type="datetimeFigureOut">
               <a:rPr lang="en-US" smtClean="0"/>
               <a:pPr/>
-              <a:t>1/7/2024</a:t>
+              <a:t>2/8/2024</a:t>
             </a:fld>
             <a:endParaRPr lang="en-US"/>
           </a:p>
@@ -1899,7 +1913,7 @@
             <a:fld id="{1D8BD707-D9CF-40AE-B4C6-C98DA3205C09}" type="datetimeFigureOut">
               <a:rPr lang="en-US" smtClean="0"/>
               <a:pPr/>
-              <a:t>1/7/2024</a:t>
+              <a:t>2/8/2024</a:t>
             </a:fld>
             <a:endParaRPr lang="en-US"/>
           </a:p>
@@ -1991,7 +2005,7 @@
             <a:fld id="{1D8BD707-D9CF-40AE-B4C6-C98DA3205C09}" type="datetimeFigureOut">
               <a:rPr lang="en-US" smtClean="0"/>
               <a:pPr/>
-              <a:t>1/7/2024</a:t>
+              <a:t>2/8/2024</a:t>
             </a:fld>
             <a:endParaRPr lang="en-US"/>
           </a:p>
@@ -2263,7 +2277,7 @@
             <a:fld id="{1D8BD707-D9CF-40AE-B4C6-C98DA3205C09}" type="datetimeFigureOut">
               <a:rPr lang="en-US" smtClean="0"/>
               <a:pPr/>
-              <a:t>1/7/2024</a:t>
+              <a:t>2/8/2024</a:t>
             </a:fld>
             <a:endParaRPr lang="en-US"/>
           </a:p>
@@ -2512,7 +2526,7 @@
             <a:fld id="{1D8BD707-D9CF-40AE-B4C6-C98DA3205C09}" type="datetimeFigureOut">
               <a:rPr lang="en-US" smtClean="0"/>
               <a:pPr/>
-              <a:t>1/7/2024</a:t>
+              <a:t>2/8/2024</a:t>
             </a:fld>
             <a:endParaRPr lang="en-US"/>
           </a:p>
@@ -2720,7 +2734,7 @@
             <a:fld id="{1D8BD707-D9CF-40AE-B4C6-C98DA3205C09}" type="datetimeFigureOut">
               <a:rPr lang="en-US" smtClean="0"/>
               <a:pPr/>
-              <a:t>1/7/2024</a:t>
+              <a:t>2/8/2024</a:t>
             </a:fld>
             <a:endParaRPr lang="en-US"/>
           </a:p>
@@ -5355,7 +5369,7 @@
           <a:bodyPr/>
           <a:lstStyle/>
           <a:p>
-            <a:endParaRPr lang="en-US"/>
+            <a:endParaRPr lang="en-US" dirty="0"/>
           </a:p>
         </p:txBody>
       </p:sp>
@@ -12314,6 +12328,333 @@
 </p:sld>
 </file>
 
+<file path=ppt/slides/slide39.xml><?xml version="1.0" encoding="utf-8"?>
+<p:sld xmlns:a="http://schemas.openxmlformats.org/drawingml/2006/main" xmlns:r="http://schemas.openxmlformats.org/officeDocument/2006/relationships" xmlns:p="http://schemas.openxmlformats.org/presentationml/2006/main">
+  <p:cSld>
+    <p:spTree>
+      <p:nvGrpSpPr>
+        <p:cNvPr id="1" name=""/>
+        <p:cNvGrpSpPr/>
+        <p:nvPr/>
+      </p:nvGrpSpPr>
+      <p:grpSpPr>
+        <a:xfrm>
+          <a:off x="0" y="0"/>
+          <a:ext cx="0" cy="0"/>
+          <a:chOff x="0" y="0"/>
+          <a:chExt cx="0" cy="0"/>
+        </a:xfrm>
+      </p:grpSpPr>
+      <p:sp>
+        <p:nvSpPr>
+          <p:cNvPr id="2" name="Title 1">
+            <a:extLst>
+              <a:ext uri="{FF2B5EF4-FFF2-40B4-BE49-F238E27FC236}">
+                <a16:creationId xmlns:a16="http://schemas.microsoft.com/office/drawing/2014/main" id="{DE6EA12F-409F-4761-BAFA-64CE6B320449}"/>
+              </a:ext>
+            </a:extLst>
+          </p:cNvPr>
+          <p:cNvSpPr>
+            <a:spLocks noGrp="1"/>
+          </p:cNvSpPr>
+          <p:nvPr>
+            <p:ph type="title"/>
+          </p:nvPr>
+        </p:nvSpPr>
+        <p:spPr>
+          <a:xfrm>
+            <a:off x="452511" y="11723"/>
+            <a:ext cx="8229600" cy="639762"/>
+          </a:xfrm>
+        </p:spPr>
+        <p:txBody>
+          <a:bodyPr>
+            <a:normAutofit fontScale="90000"/>
+          </a:bodyPr>
+          <a:lstStyle/>
+          <a:p>
+            <a:r>
+              <a:rPr lang="en-US" dirty="0"/>
+              <a:t>Classes</a:t>
+            </a:r>
+            <a:endParaRPr lang="en-IN" dirty="0"/>
+          </a:p>
+        </p:txBody>
+      </p:sp>
+      <p:sp>
+        <p:nvSpPr>
+          <p:cNvPr id="3" name="Content Placeholder 2">
+            <a:extLst>
+              <a:ext uri="{FF2B5EF4-FFF2-40B4-BE49-F238E27FC236}">
+                <a16:creationId xmlns:a16="http://schemas.microsoft.com/office/drawing/2014/main" id="{43F12075-77E5-4C57-9399-E01E425FD821}"/>
+              </a:ext>
+            </a:extLst>
+          </p:cNvPr>
+          <p:cNvSpPr>
+            <a:spLocks noGrp="1"/>
+          </p:cNvSpPr>
+          <p:nvPr>
+            <p:ph idx="1"/>
+          </p:nvPr>
+        </p:nvSpPr>
+        <p:spPr>
+          <a:xfrm>
+            <a:off x="445477" y="838200"/>
+            <a:ext cx="8229600" cy="6008077"/>
+          </a:xfrm>
+        </p:spPr>
+        <p:txBody>
+          <a:bodyPr>
+            <a:normAutofit/>
+          </a:bodyPr>
+          <a:lstStyle/>
+          <a:p>
+            <a:r>
+              <a:rPr lang="en-US" dirty="0" err="1"/>
+              <a:t>ios</a:t>
+            </a:r>
+            <a:r>
+              <a:rPr lang="en-US" dirty="0"/>
+              <a:t> :-</a:t>
+            </a:r>
+          </a:p>
+          <a:p>
+            <a:pPr lvl="1" fontAlgn="base">
+              <a:buFont typeface="Wingdings" panose="05000000000000000000" pitchFamily="2" charset="2"/>
+              <a:buChar char="§"/>
+            </a:pPr>
+            <a:r>
+              <a:rPr lang="en-US" sz="2100" b="0" i="0" dirty="0" err="1">
+                <a:solidFill>
+                  <a:srgbClr val="273239"/>
+                </a:solidFill>
+                <a:effectLst/>
+                <a:latin typeface="Nunito" pitchFamily="2" charset="0"/>
+              </a:rPr>
+              <a:t>ios</a:t>
+            </a:r>
+            <a:r>
+              <a:rPr lang="en-US" sz="2100" b="0" i="0" dirty="0">
+                <a:solidFill>
+                  <a:srgbClr val="273239"/>
+                </a:solidFill>
+                <a:effectLst/>
+                <a:latin typeface="Nunito" pitchFamily="2" charset="0"/>
+              </a:rPr>
+              <a:t> stands for input output stream.</a:t>
+            </a:r>
+          </a:p>
+          <a:p>
+            <a:pPr lvl="1" fontAlgn="base">
+              <a:buFont typeface="Wingdings" panose="05000000000000000000" pitchFamily="2" charset="2"/>
+              <a:buChar char="§"/>
+            </a:pPr>
+            <a:r>
+              <a:rPr lang="en-US" sz="2100" b="0" i="0" dirty="0">
+                <a:solidFill>
+                  <a:srgbClr val="273239"/>
+                </a:solidFill>
+                <a:effectLst/>
+                <a:latin typeface="Nunito" pitchFamily="2" charset="0"/>
+              </a:rPr>
+              <a:t>This class is the base class for other classes in this class hierarchy.</a:t>
+            </a:r>
+          </a:p>
+          <a:p>
+            <a:pPr lvl="1" fontAlgn="base">
+              <a:buFont typeface="Wingdings" panose="05000000000000000000" pitchFamily="2" charset="2"/>
+              <a:buChar char="§"/>
+            </a:pPr>
+            <a:r>
+              <a:rPr lang="en-US" sz="2100" b="0" i="0" dirty="0">
+                <a:solidFill>
+                  <a:srgbClr val="273239"/>
+                </a:solidFill>
+                <a:effectLst/>
+                <a:latin typeface="Nunito" pitchFamily="2" charset="0"/>
+              </a:rPr>
+              <a:t>This class contains the necessary facilities that are used by all the other derived classes for input and output operations.</a:t>
+            </a:r>
+            <a:endParaRPr lang="en-IN" sz="2100" b="0" i="0" dirty="0">
+              <a:solidFill>
+                <a:srgbClr val="273239"/>
+              </a:solidFill>
+              <a:effectLst/>
+              <a:latin typeface="Nunito" pitchFamily="2" charset="0"/>
+            </a:endParaRPr>
+          </a:p>
+          <a:p>
+            <a:pPr fontAlgn="base"/>
+            <a:r>
+              <a:rPr lang="en-US" b="0" i="0" dirty="0" err="1">
+                <a:solidFill>
+                  <a:srgbClr val="273239"/>
+                </a:solidFill>
+                <a:effectLst/>
+                <a:latin typeface="Nunito" pitchFamily="2" charset="0"/>
+              </a:rPr>
+              <a:t>istream</a:t>
+            </a:r>
+            <a:r>
+              <a:rPr lang="en-US" b="0" i="0" dirty="0">
+                <a:solidFill>
+                  <a:srgbClr val="273239"/>
+                </a:solidFill>
+                <a:effectLst/>
+                <a:latin typeface="Nunito" pitchFamily="2" charset="0"/>
+              </a:rPr>
+              <a:t>:- </a:t>
+            </a:r>
+          </a:p>
+          <a:p>
+            <a:pPr lvl="1" fontAlgn="base">
+              <a:buFont typeface="Wingdings" panose="05000000000000000000" pitchFamily="2" charset="2"/>
+              <a:buChar char="§"/>
+            </a:pPr>
+            <a:r>
+              <a:rPr lang="en-US" sz="2100" b="0" i="0" dirty="0" err="1">
+                <a:solidFill>
+                  <a:srgbClr val="273239"/>
+                </a:solidFill>
+                <a:effectLst/>
+                <a:latin typeface="Nunito" pitchFamily="2" charset="0"/>
+              </a:rPr>
+              <a:t>istream</a:t>
+            </a:r>
+            <a:r>
+              <a:rPr lang="en-US" sz="2100" b="0" i="0" dirty="0">
+                <a:solidFill>
+                  <a:srgbClr val="273239"/>
+                </a:solidFill>
+                <a:effectLst/>
+                <a:latin typeface="Nunito" pitchFamily="2" charset="0"/>
+              </a:rPr>
+              <a:t> stands for input stream and </a:t>
+            </a:r>
+            <a:r>
+              <a:rPr lang="en-US" sz="2100" b="0" i="0" dirty="0">
+                <a:solidFill>
+                  <a:srgbClr val="273239"/>
+                </a:solidFill>
+                <a:effectLst/>
+                <a:highlight>
+                  <a:srgbClr val="FFFF00"/>
+                </a:highlight>
+                <a:latin typeface="Nunito" pitchFamily="2" charset="0"/>
+              </a:rPr>
+              <a:t>handle input stream</a:t>
+            </a:r>
+          </a:p>
+          <a:p>
+            <a:pPr lvl="1" fontAlgn="base">
+              <a:buFont typeface="Wingdings" panose="05000000000000000000" pitchFamily="2" charset="2"/>
+              <a:buChar char="§"/>
+            </a:pPr>
+            <a:r>
+              <a:rPr lang="en-US" sz="2100" b="0" i="0" dirty="0">
+                <a:solidFill>
+                  <a:srgbClr val="273239"/>
+                </a:solidFill>
+                <a:effectLst/>
+                <a:latin typeface="Nunito" pitchFamily="2" charset="0"/>
+              </a:rPr>
+              <a:t>The extraction operator</a:t>
+            </a:r>
+            <a:r>
+              <a:rPr lang="en-US" sz="2100" b="0" i="0" dirty="0">
+                <a:solidFill>
+                  <a:srgbClr val="273239"/>
+                </a:solidFill>
+                <a:effectLst/>
+                <a:highlight>
+                  <a:srgbClr val="FFFF00"/>
+                </a:highlight>
+                <a:latin typeface="Nunito" pitchFamily="2" charset="0"/>
+              </a:rPr>
+              <a:t>(&gt;&gt;) </a:t>
+            </a:r>
+            <a:r>
+              <a:rPr lang="en-US" sz="2100" b="0" i="0" dirty="0">
+                <a:solidFill>
+                  <a:srgbClr val="273239"/>
+                </a:solidFill>
+                <a:effectLst/>
+                <a:latin typeface="Nunito" pitchFamily="2" charset="0"/>
+              </a:rPr>
+              <a:t>is overloaded in this class to handle input streams.</a:t>
+            </a:r>
+          </a:p>
+          <a:p>
+            <a:pPr lvl="1" fontAlgn="base">
+              <a:buFont typeface="Wingdings" panose="05000000000000000000" pitchFamily="2" charset="2"/>
+              <a:buChar char="§"/>
+            </a:pPr>
+            <a:r>
+              <a:rPr lang="en-US" sz="2100" b="0" i="0" dirty="0">
+                <a:solidFill>
+                  <a:srgbClr val="273239"/>
+                </a:solidFill>
+                <a:effectLst/>
+                <a:latin typeface="Nunito" pitchFamily="2" charset="0"/>
+              </a:rPr>
+              <a:t>This class declares input functions such as get(), </a:t>
+            </a:r>
+            <a:r>
+              <a:rPr lang="en-US" sz="2100" b="0" i="0" dirty="0" err="1">
+                <a:solidFill>
+                  <a:srgbClr val="273239"/>
+                </a:solidFill>
+                <a:effectLst/>
+                <a:latin typeface="Nunito" pitchFamily="2" charset="0"/>
+              </a:rPr>
+              <a:t>getline</a:t>
+            </a:r>
+            <a:r>
+              <a:rPr lang="en-US" sz="2100" b="0" i="0" dirty="0">
+                <a:solidFill>
+                  <a:srgbClr val="273239"/>
+                </a:solidFill>
+                <a:effectLst/>
+                <a:latin typeface="Nunito" pitchFamily="2" charset="0"/>
+              </a:rPr>
+              <a:t>() and read().</a:t>
+            </a:r>
+            <a:endParaRPr lang="en-US" b="0" i="0" dirty="0">
+              <a:solidFill>
+                <a:srgbClr val="273239"/>
+              </a:solidFill>
+              <a:effectLst/>
+              <a:latin typeface="Nunito" pitchFamily="2" charset="0"/>
+            </a:endParaRPr>
+          </a:p>
+          <a:p>
+            <a:pPr fontAlgn="base">
+              <a:buFont typeface="Wingdings" panose="05000000000000000000" pitchFamily="2" charset="2"/>
+              <a:buChar char="§"/>
+            </a:pPr>
+            <a:endParaRPr lang="en-US" sz="2100" b="0" i="0" dirty="0">
+              <a:solidFill>
+                <a:srgbClr val="273239"/>
+              </a:solidFill>
+              <a:effectLst/>
+              <a:latin typeface="Nunito" pitchFamily="2" charset="0"/>
+            </a:endParaRPr>
+          </a:p>
+        </p:txBody>
+      </p:sp>
+    </p:spTree>
+    <p:extLst>
+      <p:ext uri="{BB962C8B-B14F-4D97-AF65-F5344CB8AC3E}">
+        <p14:creationId xmlns:p14="http://schemas.microsoft.com/office/powerpoint/2010/main" val="625405081"/>
+      </p:ext>
+    </p:extLst>
+  </p:cSld>
+  <p:clrMapOvr>
+    <a:masterClrMapping/>
+  </p:clrMapOvr>
+</p:sld>
+</file>
+
 <file path=ppt/slides/slide4.xml><?xml version="1.0" encoding="utf-8"?>
 <p:sld xmlns:a="http://schemas.openxmlformats.org/drawingml/2006/main" xmlns:r="http://schemas.openxmlformats.org/officeDocument/2006/relationships" xmlns:p="http://schemas.openxmlformats.org/presentationml/2006/main">
   <p:cSld>
@@ -12370,6 +12711,3517 @@
         </p:txBody>
       </p:sp>
     </p:spTree>
+  </p:cSld>
+  <p:clrMapOvr>
+    <a:masterClrMapping/>
+  </p:clrMapOvr>
+</p:sld>
+</file>
+
+<file path=ppt/slides/slide40.xml><?xml version="1.0" encoding="utf-8"?>
+<p:sld xmlns:a="http://schemas.openxmlformats.org/drawingml/2006/main" xmlns:r="http://schemas.openxmlformats.org/officeDocument/2006/relationships" xmlns:p="http://schemas.openxmlformats.org/presentationml/2006/main">
+  <p:cSld>
+    <p:spTree>
+      <p:nvGrpSpPr>
+        <p:cNvPr id="1" name=""/>
+        <p:cNvGrpSpPr/>
+        <p:nvPr/>
+      </p:nvGrpSpPr>
+      <p:grpSpPr>
+        <a:xfrm>
+          <a:off x="0" y="0"/>
+          <a:ext cx="0" cy="0"/>
+          <a:chOff x="0" y="0"/>
+          <a:chExt cx="0" cy="0"/>
+        </a:xfrm>
+      </p:grpSpPr>
+      <p:sp>
+        <p:nvSpPr>
+          <p:cNvPr id="2" name="Title 1">
+            <a:extLst>
+              <a:ext uri="{FF2B5EF4-FFF2-40B4-BE49-F238E27FC236}">
+                <a16:creationId xmlns:a16="http://schemas.microsoft.com/office/drawing/2014/main" id="{FE8B2B50-32E1-4CB9-A456-2ABEE3817BB3}"/>
+              </a:ext>
+            </a:extLst>
+          </p:cNvPr>
+          <p:cNvSpPr>
+            <a:spLocks noGrp="1"/>
+          </p:cNvSpPr>
+          <p:nvPr>
+            <p:ph type="title"/>
+          </p:nvPr>
+        </p:nvSpPr>
+        <p:spPr/>
+        <p:txBody>
+          <a:bodyPr/>
+          <a:lstStyle/>
+          <a:p>
+            <a:endParaRPr lang="en-IN"/>
+          </a:p>
+        </p:txBody>
+      </p:sp>
+      <p:sp>
+        <p:nvSpPr>
+          <p:cNvPr id="3" name="Content Placeholder 2">
+            <a:extLst>
+              <a:ext uri="{FF2B5EF4-FFF2-40B4-BE49-F238E27FC236}">
+                <a16:creationId xmlns:a16="http://schemas.microsoft.com/office/drawing/2014/main" id="{AB610798-7D6D-44EA-995A-AAF287E1AC80}"/>
+              </a:ext>
+            </a:extLst>
+          </p:cNvPr>
+          <p:cNvSpPr>
+            <a:spLocks noGrp="1"/>
+          </p:cNvSpPr>
+          <p:nvPr>
+            <p:ph idx="1"/>
+          </p:nvPr>
+        </p:nvSpPr>
+        <p:spPr>
+          <a:xfrm>
+            <a:off x="457200" y="1600200"/>
+            <a:ext cx="8229600" cy="4983162"/>
+          </a:xfrm>
+        </p:spPr>
+        <p:txBody>
+          <a:bodyPr>
+            <a:normAutofit fontScale="92500"/>
+          </a:bodyPr>
+          <a:lstStyle/>
+          <a:p>
+            <a:pPr algn="l" fontAlgn="base"/>
+            <a:r>
+              <a:rPr lang="en-US" b="0" i="0" dirty="0">
+                <a:solidFill>
+                  <a:srgbClr val="273239"/>
+                </a:solidFill>
+                <a:effectLst/>
+                <a:latin typeface="Nunito" pitchFamily="2" charset="0"/>
+              </a:rPr>
+              <a:t> </a:t>
+            </a:r>
+            <a:r>
+              <a:rPr lang="en-US" b="0" i="0" dirty="0" err="1">
+                <a:solidFill>
+                  <a:srgbClr val="273239"/>
+                </a:solidFill>
+                <a:effectLst/>
+                <a:latin typeface="Nunito" pitchFamily="2" charset="0"/>
+              </a:rPr>
+              <a:t>streambuf</a:t>
+            </a:r>
+            <a:r>
+              <a:rPr lang="en-US" b="0" i="0" dirty="0">
+                <a:solidFill>
+                  <a:srgbClr val="273239"/>
+                </a:solidFill>
+                <a:effectLst/>
+                <a:latin typeface="Nunito" pitchFamily="2" charset="0"/>
+              </a:rPr>
+              <a:t> :-</a:t>
+            </a:r>
+          </a:p>
+          <a:p>
+            <a:pPr lvl="1" fontAlgn="base">
+              <a:buFont typeface="Wingdings" panose="05000000000000000000" pitchFamily="2" charset="2"/>
+              <a:buChar char="§"/>
+            </a:pPr>
+            <a:r>
+              <a:rPr lang="en-US" sz="2500" b="0" i="0" dirty="0">
+                <a:solidFill>
+                  <a:srgbClr val="273239"/>
+                </a:solidFill>
+                <a:effectLst/>
+                <a:latin typeface="Nunito" pitchFamily="2" charset="0"/>
+              </a:rPr>
+              <a:t>This class contains a pointer which points to the buffer which is used to manage the input and output streams.</a:t>
+            </a:r>
+          </a:p>
+          <a:p>
+            <a:pPr algn="l" fontAlgn="base"/>
+            <a:r>
+              <a:rPr lang="en-US" b="0" i="0" dirty="0" err="1">
+                <a:solidFill>
+                  <a:srgbClr val="273239"/>
+                </a:solidFill>
+                <a:effectLst/>
+                <a:latin typeface="Nunito" pitchFamily="2" charset="0"/>
+              </a:rPr>
+              <a:t>fstreambase</a:t>
+            </a:r>
+            <a:r>
+              <a:rPr lang="en-US" b="0" i="0" dirty="0">
+                <a:solidFill>
+                  <a:srgbClr val="273239"/>
+                </a:solidFill>
+                <a:effectLst/>
+                <a:latin typeface="Nunito" pitchFamily="2" charset="0"/>
+              </a:rPr>
+              <a:t> :-</a:t>
+            </a:r>
+          </a:p>
+          <a:p>
+            <a:pPr lvl="1" fontAlgn="base">
+              <a:buFont typeface="Wingdings" panose="05000000000000000000" pitchFamily="2" charset="2"/>
+              <a:buChar char="§"/>
+            </a:pPr>
+            <a:r>
+              <a:rPr lang="en-US" sz="2300" b="0" i="0" dirty="0">
+                <a:solidFill>
+                  <a:srgbClr val="273239"/>
+                </a:solidFill>
+                <a:effectLst/>
+                <a:latin typeface="Nunito" pitchFamily="2" charset="0"/>
+              </a:rPr>
+              <a:t>It provide operations common to the file streams. Serves as a base for </a:t>
+            </a:r>
+            <a:r>
+              <a:rPr lang="en-US" sz="2300" b="0" i="0" dirty="0" err="1">
+                <a:solidFill>
+                  <a:srgbClr val="273239"/>
+                </a:solidFill>
+                <a:effectLst/>
+                <a:latin typeface="Nunito" pitchFamily="2" charset="0"/>
+              </a:rPr>
+              <a:t>fstream</a:t>
+            </a:r>
+            <a:r>
+              <a:rPr lang="en-US" sz="2300" b="0" i="0" dirty="0">
+                <a:solidFill>
+                  <a:srgbClr val="273239"/>
+                </a:solidFill>
+                <a:effectLst/>
+                <a:latin typeface="Nunito" pitchFamily="2" charset="0"/>
+              </a:rPr>
+              <a:t>, </a:t>
+            </a:r>
+            <a:r>
+              <a:rPr lang="en-US" sz="2300" b="0" i="0" dirty="0" err="1">
+                <a:solidFill>
+                  <a:srgbClr val="273239"/>
+                </a:solidFill>
+                <a:effectLst/>
+                <a:latin typeface="Nunito" pitchFamily="2" charset="0"/>
+              </a:rPr>
+              <a:t>ifstream</a:t>
+            </a:r>
+            <a:r>
+              <a:rPr lang="en-US" sz="2300" b="0" i="0" dirty="0">
+                <a:solidFill>
+                  <a:srgbClr val="273239"/>
+                </a:solidFill>
+                <a:effectLst/>
+                <a:latin typeface="Nunito" pitchFamily="2" charset="0"/>
+              </a:rPr>
+              <a:t> and </a:t>
+            </a:r>
+            <a:r>
+              <a:rPr lang="en-US" sz="2300" b="0" i="0" dirty="0" err="1">
+                <a:solidFill>
+                  <a:srgbClr val="273239"/>
+                </a:solidFill>
+                <a:effectLst/>
+                <a:latin typeface="Nunito" pitchFamily="2" charset="0"/>
+              </a:rPr>
+              <a:t>ofstream</a:t>
+            </a:r>
+            <a:r>
+              <a:rPr lang="en-US" sz="2300" b="0" i="0" dirty="0">
+                <a:solidFill>
+                  <a:srgbClr val="273239"/>
+                </a:solidFill>
+                <a:effectLst/>
+                <a:latin typeface="Nunito" pitchFamily="2" charset="0"/>
+              </a:rPr>
+              <a:t> class. </a:t>
+            </a:r>
+          </a:p>
+          <a:p>
+            <a:pPr lvl="1" fontAlgn="base">
+              <a:buFont typeface="Wingdings" panose="05000000000000000000" pitchFamily="2" charset="2"/>
+              <a:buChar char="§"/>
+            </a:pPr>
+            <a:r>
+              <a:rPr lang="en-US" sz="2300" b="0" i="0" dirty="0">
+                <a:solidFill>
+                  <a:srgbClr val="273239"/>
+                </a:solidFill>
+                <a:effectLst/>
+                <a:latin typeface="Nunito" pitchFamily="2" charset="0"/>
+              </a:rPr>
+              <a:t>It  contains open() and close() function.</a:t>
+            </a:r>
+          </a:p>
+          <a:p>
+            <a:pPr algn="l" fontAlgn="base"/>
+            <a:r>
+              <a:rPr lang="en-US" b="0" i="0" dirty="0" err="1">
+                <a:solidFill>
+                  <a:srgbClr val="273239"/>
+                </a:solidFill>
+                <a:effectLst/>
+                <a:latin typeface="Nunito" pitchFamily="2" charset="0"/>
+              </a:rPr>
+              <a:t>ifstream</a:t>
+            </a:r>
+            <a:r>
+              <a:rPr lang="en-US" b="0" i="0" dirty="0">
+                <a:solidFill>
+                  <a:srgbClr val="273239"/>
+                </a:solidFill>
+                <a:effectLst/>
+                <a:latin typeface="Nunito" pitchFamily="2" charset="0"/>
+              </a:rPr>
+              <a:t> :-</a:t>
+            </a:r>
+          </a:p>
+          <a:p>
+            <a:pPr lvl="1" fontAlgn="base">
+              <a:buFont typeface="Wingdings" panose="05000000000000000000" pitchFamily="2" charset="2"/>
+              <a:buChar char="§"/>
+            </a:pPr>
+            <a:r>
+              <a:rPr lang="en-US" sz="2300" b="0" i="0" dirty="0">
+                <a:solidFill>
+                  <a:srgbClr val="273239"/>
+                </a:solidFill>
+                <a:effectLst/>
+                <a:latin typeface="Nunito" pitchFamily="2" charset="0"/>
+              </a:rPr>
+              <a:t>It provides input operations.</a:t>
+            </a:r>
+          </a:p>
+          <a:p>
+            <a:pPr lvl="1" fontAlgn="base">
+              <a:buFont typeface="Wingdings" panose="05000000000000000000" pitchFamily="2" charset="2"/>
+              <a:buChar char="§"/>
+            </a:pPr>
+            <a:r>
+              <a:rPr lang="en-US" sz="2300" b="0" i="0" dirty="0">
+                <a:solidFill>
+                  <a:srgbClr val="273239"/>
+                </a:solidFill>
+                <a:effectLst/>
+                <a:latin typeface="Nunito" pitchFamily="2" charset="0"/>
+              </a:rPr>
+              <a:t>It contains open() function with default input mode. </a:t>
+            </a:r>
+          </a:p>
+          <a:p>
+            <a:pPr lvl="1" fontAlgn="base">
+              <a:buFont typeface="Wingdings" panose="05000000000000000000" pitchFamily="2" charset="2"/>
+              <a:buChar char="§"/>
+            </a:pPr>
+            <a:r>
+              <a:rPr lang="en-US" sz="2300" b="0" i="0" dirty="0">
+                <a:solidFill>
+                  <a:srgbClr val="273239"/>
+                </a:solidFill>
+                <a:effectLst/>
+                <a:latin typeface="Nunito" pitchFamily="2" charset="0"/>
+              </a:rPr>
+              <a:t>Inherits the functions get(), </a:t>
+            </a:r>
+            <a:r>
+              <a:rPr lang="en-US" sz="2300" b="0" i="0" dirty="0" err="1">
+                <a:solidFill>
+                  <a:srgbClr val="273239"/>
+                </a:solidFill>
+                <a:effectLst/>
+                <a:latin typeface="Nunito" pitchFamily="2" charset="0"/>
+              </a:rPr>
+              <a:t>getline</a:t>
+            </a:r>
+            <a:r>
+              <a:rPr lang="en-US" sz="2300" b="0" i="0" dirty="0">
+                <a:solidFill>
+                  <a:srgbClr val="273239"/>
+                </a:solidFill>
+                <a:effectLst/>
+                <a:latin typeface="Nunito" pitchFamily="2" charset="0"/>
+              </a:rPr>
+              <a:t>(), read(), </a:t>
+            </a:r>
+            <a:r>
+              <a:rPr lang="en-US" sz="2300" b="0" i="0" dirty="0" err="1">
+                <a:solidFill>
+                  <a:srgbClr val="273239"/>
+                </a:solidFill>
+                <a:effectLst/>
+                <a:latin typeface="Nunito" pitchFamily="2" charset="0"/>
+              </a:rPr>
+              <a:t>seekg</a:t>
+            </a:r>
+            <a:r>
+              <a:rPr lang="en-US" sz="2300" b="0" i="0" dirty="0">
+                <a:solidFill>
+                  <a:srgbClr val="273239"/>
+                </a:solidFill>
+                <a:effectLst/>
+                <a:latin typeface="Nunito" pitchFamily="2" charset="0"/>
+              </a:rPr>
+              <a:t>() and </a:t>
+            </a:r>
+            <a:r>
+              <a:rPr lang="en-US" sz="2300" b="0" i="0" dirty="0" err="1">
+                <a:solidFill>
+                  <a:srgbClr val="273239"/>
+                </a:solidFill>
+                <a:effectLst/>
+                <a:latin typeface="Nunito" pitchFamily="2" charset="0"/>
+              </a:rPr>
+              <a:t>tellg</a:t>
+            </a:r>
+            <a:r>
+              <a:rPr lang="en-US" sz="2300" b="0" i="0" dirty="0">
+                <a:solidFill>
+                  <a:srgbClr val="273239"/>
+                </a:solidFill>
+                <a:effectLst/>
+                <a:latin typeface="Nunito" pitchFamily="2" charset="0"/>
+              </a:rPr>
+              <a:t>() functions from the </a:t>
+            </a:r>
+            <a:r>
+              <a:rPr lang="en-US" sz="2300" b="0" i="0" dirty="0" err="1">
+                <a:solidFill>
+                  <a:srgbClr val="273239"/>
+                </a:solidFill>
+                <a:effectLst/>
+                <a:latin typeface="Nunito" pitchFamily="2" charset="0"/>
+              </a:rPr>
+              <a:t>istream</a:t>
+            </a:r>
+            <a:r>
+              <a:rPr lang="en-US" sz="2300" b="0" i="0" dirty="0">
+                <a:solidFill>
+                  <a:srgbClr val="273239"/>
+                </a:solidFill>
+                <a:effectLst/>
+                <a:latin typeface="Nunito" pitchFamily="2" charset="0"/>
+              </a:rPr>
+              <a:t>.</a:t>
+            </a:r>
+          </a:p>
+        </p:txBody>
+      </p:sp>
+    </p:spTree>
+    <p:extLst>
+      <p:ext uri="{BB962C8B-B14F-4D97-AF65-F5344CB8AC3E}">
+        <p14:creationId xmlns:p14="http://schemas.microsoft.com/office/powerpoint/2010/main" val="1048978647"/>
+      </p:ext>
+    </p:extLst>
+  </p:cSld>
+  <p:clrMapOvr>
+    <a:masterClrMapping/>
+  </p:clrMapOvr>
+</p:sld>
+</file>
+
+<file path=ppt/slides/slide41.xml><?xml version="1.0" encoding="utf-8"?>
+<p:sld xmlns:a="http://schemas.openxmlformats.org/drawingml/2006/main" xmlns:r="http://schemas.openxmlformats.org/officeDocument/2006/relationships" xmlns:p="http://schemas.openxmlformats.org/presentationml/2006/main">
+  <p:cSld>
+    <p:spTree>
+      <p:nvGrpSpPr>
+        <p:cNvPr id="1" name=""/>
+        <p:cNvGrpSpPr/>
+        <p:nvPr/>
+      </p:nvGrpSpPr>
+      <p:grpSpPr>
+        <a:xfrm>
+          <a:off x="0" y="0"/>
+          <a:ext cx="0" cy="0"/>
+          <a:chOff x="0" y="0"/>
+          <a:chExt cx="0" cy="0"/>
+        </a:xfrm>
+      </p:grpSpPr>
+      <p:sp>
+        <p:nvSpPr>
+          <p:cNvPr id="2" name="Title 1">
+            <a:extLst>
+              <a:ext uri="{FF2B5EF4-FFF2-40B4-BE49-F238E27FC236}">
+                <a16:creationId xmlns:a16="http://schemas.microsoft.com/office/drawing/2014/main" id="{F7D43AF1-3A52-454B-87A5-936F3B95632A}"/>
+              </a:ext>
+            </a:extLst>
+          </p:cNvPr>
+          <p:cNvSpPr>
+            <a:spLocks noGrp="1"/>
+          </p:cNvSpPr>
+          <p:nvPr>
+            <p:ph type="title"/>
+          </p:nvPr>
+        </p:nvSpPr>
+        <p:spPr/>
+        <p:txBody>
+          <a:bodyPr/>
+          <a:lstStyle/>
+          <a:p>
+            <a:endParaRPr lang="en-IN"/>
+          </a:p>
+        </p:txBody>
+      </p:sp>
+      <p:sp>
+        <p:nvSpPr>
+          <p:cNvPr id="3" name="Content Placeholder 2">
+            <a:extLst>
+              <a:ext uri="{FF2B5EF4-FFF2-40B4-BE49-F238E27FC236}">
+                <a16:creationId xmlns:a16="http://schemas.microsoft.com/office/drawing/2014/main" id="{EA93CD53-8AB9-4544-AD8E-B040CCF45421}"/>
+              </a:ext>
+            </a:extLst>
+          </p:cNvPr>
+          <p:cNvSpPr>
+            <a:spLocks noGrp="1"/>
+          </p:cNvSpPr>
+          <p:nvPr>
+            <p:ph idx="1"/>
+          </p:nvPr>
+        </p:nvSpPr>
+        <p:spPr/>
+        <p:txBody>
+          <a:bodyPr>
+            <a:normAutofit fontScale="77500" lnSpcReduction="20000"/>
+          </a:bodyPr>
+          <a:lstStyle/>
+          <a:p>
+            <a:pPr algn="l" fontAlgn="base"/>
+            <a:r>
+              <a:rPr lang="en-US" b="0" i="0" dirty="0" err="1">
+                <a:solidFill>
+                  <a:srgbClr val="273239"/>
+                </a:solidFill>
+                <a:effectLst/>
+                <a:latin typeface="Nunito" pitchFamily="2" charset="0"/>
+              </a:rPr>
+              <a:t>ofstream</a:t>
+            </a:r>
+            <a:r>
+              <a:rPr lang="en-US" b="0" i="0" dirty="0">
+                <a:solidFill>
+                  <a:srgbClr val="273239"/>
+                </a:solidFill>
+                <a:effectLst/>
+                <a:latin typeface="Nunito" pitchFamily="2" charset="0"/>
+              </a:rPr>
+              <a:t> :- </a:t>
+            </a:r>
+            <a:r>
+              <a:rPr lang="en-US" sz="2700" b="0" i="0" dirty="0">
+                <a:solidFill>
+                  <a:srgbClr val="273239"/>
+                </a:solidFill>
+                <a:effectLst/>
+                <a:latin typeface="Nunito" pitchFamily="2" charset="0"/>
+              </a:rPr>
+              <a:t>(provide </a:t>
+            </a:r>
+            <a:r>
+              <a:rPr lang="en-US" sz="2700" b="0" i="0" dirty="0">
+                <a:solidFill>
+                  <a:srgbClr val="273239"/>
+                </a:solidFill>
+                <a:effectLst/>
+                <a:highlight>
+                  <a:srgbClr val="FFFF00"/>
+                </a:highlight>
+                <a:latin typeface="Nunito" pitchFamily="2" charset="0"/>
+              </a:rPr>
+              <a:t>output Operations</a:t>
+            </a:r>
+            <a:r>
+              <a:rPr lang="en-US" sz="2700" b="0" i="0" dirty="0">
+                <a:solidFill>
+                  <a:srgbClr val="273239"/>
+                </a:solidFill>
+                <a:effectLst/>
+                <a:latin typeface="Nunito" pitchFamily="2" charset="0"/>
+              </a:rPr>
+              <a:t>)</a:t>
+            </a:r>
+          </a:p>
+          <a:p>
+            <a:pPr lvl="1" fontAlgn="base">
+              <a:buFont typeface="Wingdings" panose="05000000000000000000" pitchFamily="2" charset="2"/>
+              <a:buChar char="§"/>
+            </a:pPr>
+            <a:r>
+              <a:rPr lang="en-US" sz="2700" b="0" i="0" dirty="0">
+                <a:solidFill>
+                  <a:srgbClr val="273239"/>
+                </a:solidFill>
+                <a:effectLst/>
+                <a:latin typeface="Nunito" pitchFamily="2" charset="0"/>
+              </a:rPr>
+              <a:t>It contains open() function with default output mode. </a:t>
+            </a:r>
+          </a:p>
+          <a:p>
+            <a:pPr lvl="1" fontAlgn="base">
+              <a:buFont typeface="Wingdings" panose="05000000000000000000" pitchFamily="2" charset="2"/>
+              <a:buChar char="§"/>
+            </a:pPr>
+            <a:r>
+              <a:rPr lang="en-US" sz="2700" b="0" i="0" dirty="0">
+                <a:solidFill>
+                  <a:srgbClr val="273239"/>
+                </a:solidFill>
+                <a:effectLst/>
+                <a:latin typeface="Nunito" pitchFamily="2" charset="0"/>
+              </a:rPr>
+              <a:t>Inherits the functions put(),  write(), </a:t>
+            </a:r>
+            <a:r>
+              <a:rPr lang="en-US" sz="2700" b="0" i="0" dirty="0" err="1">
+                <a:solidFill>
+                  <a:srgbClr val="273239"/>
+                </a:solidFill>
+                <a:effectLst/>
+                <a:latin typeface="Nunito" pitchFamily="2" charset="0"/>
+              </a:rPr>
+              <a:t>seekp</a:t>
+            </a:r>
+            <a:r>
+              <a:rPr lang="en-US" sz="2700" b="0" i="0" dirty="0">
+                <a:solidFill>
+                  <a:srgbClr val="273239"/>
+                </a:solidFill>
+                <a:effectLst/>
+                <a:latin typeface="Nunito" pitchFamily="2" charset="0"/>
+              </a:rPr>
+              <a:t>() and </a:t>
+            </a:r>
+            <a:r>
+              <a:rPr lang="en-US" sz="2700" b="0" i="0" dirty="0" err="1">
+                <a:solidFill>
+                  <a:srgbClr val="273239"/>
+                </a:solidFill>
+                <a:effectLst/>
+                <a:latin typeface="Nunito" pitchFamily="2" charset="0"/>
+              </a:rPr>
+              <a:t>tellp</a:t>
+            </a:r>
+            <a:r>
+              <a:rPr lang="en-US" sz="2700" b="0" i="0" dirty="0">
+                <a:solidFill>
+                  <a:srgbClr val="273239"/>
+                </a:solidFill>
+                <a:effectLst/>
+                <a:latin typeface="Nunito" pitchFamily="2" charset="0"/>
+              </a:rPr>
+              <a:t>() functions from the </a:t>
+            </a:r>
+            <a:r>
+              <a:rPr lang="en-US" sz="2700" b="0" i="0" dirty="0" err="1">
+                <a:solidFill>
+                  <a:srgbClr val="273239"/>
+                </a:solidFill>
+                <a:effectLst/>
+                <a:latin typeface="Nunito" pitchFamily="2" charset="0"/>
+              </a:rPr>
+              <a:t>ostream</a:t>
+            </a:r>
+            <a:r>
+              <a:rPr lang="en-US" sz="2700" b="0" i="0" dirty="0">
+                <a:solidFill>
+                  <a:srgbClr val="273239"/>
+                </a:solidFill>
+                <a:effectLst/>
+                <a:latin typeface="Nunito" pitchFamily="2" charset="0"/>
+              </a:rPr>
+              <a:t>.</a:t>
+            </a:r>
+          </a:p>
+          <a:p>
+            <a:pPr algn="l" fontAlgn="base"/>
+            <a:r>
+              <a:rPr lang="en-US" b="0" i="0" dirty="0" err="1">
+                <a:solidFill>
+                  <a:srgbClr val="273239"/>
+                </a:solidFill>
+                <a:effectLst/>
+                <a:latin typeface="Nunito" pitchFamily="2" charset="0"/>
+              </a:rPr>
+              <a:t>fstream</a:t>
+            </a:r>
+            <a:r>
+              <a:rPr lang="en-US" b="0" i="0" dirty="0">
+                <a:solidFill>
+                  <a:srgbClr val="273239"/>
+                </a:solidFill>
+                <a:effectLst/>
+                <a:latin typeface="Nunito" pitchFamily="2" charset="0"/>
+              </a:rPr>
+              <a:t> :-</a:t>
+            </a:r>
+          </a:p>
+          <a:p>
+            <a:pPr lvl="1" fontAlgn="base">
+              <a:buFont typeface="Wingdings" panose="05000000000000000000" pitchFamily="2" charset="2"/>
+              <a:buChar char="§"/>
+            </a:pPr>
+            <a:r>
+              <a:rPr lang="en-US" b="0" i="0" dirty="0">
+                <a:solidFill>
+                  <a:srgbClr val="273239"/>
+                </a:solidFill>
+                <a:effectLst/>
+                <a:latin typeface="Nunito" pitchFamily="2" charset="0"/>
+              </a:rPr>
+              <a:t>This class provides support for simultaneous input and output operations.</a:t>
+            </a:r>
+          </a:p>
+          <a:p>
+            <a:pPr lvl="1" fontAlgn="base">
+              <a:buFont typeface="Wingdings" panose="05000000000000000000" pitchFamily="2" charset="2"/>
+              <a:buChar char="§"/>
+            </a:pPr>
+            <a:r>
+              <a:rPr lang="en-US" b="0" i="0" dirty="0">
+                <a:solidFill>
+                  <a:srgbClr val="273239"/>
+                </a:solidFill>
+                <a:effectLst/>
+                <a:latin typeface="Nunito" pitchFamily="2" charset="0"/>
+              </a:rPr>
+              <a:t>Inherits all the functions from </a:t>
+            </a:r>
+            <a:r>
+              <a:rPr lang="en-US" b="0" i="0" dirty="0" err="1">
+                <a:solidFill>
+                  <a:srgbClr val="273239"/>
+                </a:solidFill>
+                <a:effectLst/>
+                <a:latin typeface="Nunito" pitchFamily="2" charset="0"/>
+              </a:rPr>
+              <a:t>istream</a:t>
+            </a:r>
+            <a:r>
+              <a:rPr lang="en-US" b="0" i="0" dirty="0">
+                <a:solidFill>
+                  <a:srgbClr val="273239"/>
+                </a:solidFill>
+                <a:effectLst/>
+                <a:latin typeface="Nunito" pitchFamily="2" charset="0"/>
+              </a:rPr>
+              <a:t> and </a:t>
+            </a:r>
+            <a:r>
+              <a:rPr lang="en-US" b="0" i="0" dirty="0" err="1">
+                <a:solidFill>
+                  <a:srgbClr val="273239"/>
+                </a:solidFill>
+                <a:effectLst/>
+                <a:latin typeface="Nunito" pitchFamily="2" charset="0"/>
+              </a:rPr>
+              <a:t>ostream</a:t>
+            </a:r>
+            <a:r>
+              <a:rPr lang="en-US" b="0" i="0" dirty="0">
+                <a:solidFill>
+                  <a:srgbClr val="273239"/>
+                </a:solidFill>
+                <a:effectLst/>
+                <a:latin typeface="Nunito" pitchFamily="2" charset="0"/>
+              </a:rPr>
+              <a:t> classes through iostream.</a:t>
+            </a:r>
+          </a:p>
+          <a:p>
+            <a:pPr algn="l" fontAlgn="base"/>
+            <a:r>
+              <a:rPr lang="en-US" b="0" i="0" dirty="0" err="1">
+                <a:solidFill>
+                  <a:srgbClr val="273239"/>
+                </a:solidFill>
+                <a:effectLst/>
+                <a:latin typeface="Nunito" pitchFamily="2" charset="0"/>
+              </a:rPr>
+              <a:t>filebuf</a:t>
+            </a:r>
+            <a:r>
+              <a:rPr lang="en-US" b="0" i="0" dirty="0">
+                <a:solidFill>
+                  <a:srgbClr val="273239"/>
+                </a:solidFill>
+                <a:effectLst/>
+                <a:latin typeface="Nunito" pitchFamily="2" charset="0"/>
+              </a:rPr>
+              <a:t> :-</a:t>
+            </a:r>
+          </a:p>
+          <a:p>
+            <a:pPr lvl="1" fontAlgn="base">
+              <a:buFont typeface="Wingdings" panose="05000000000000000000" pitchFamily="2" charset="2"/>
+              <a:buChar char="§"/>
+            </a:pPr>
+            <a:r>
+              <a:rPr lang="en-US" b="0" i="0" dirty="0">
+                <a:solidFill>
+                  <a:srgbClr val="273239"/>
+                </a:solidFill>
+                <a:effectLst/>
+                <a:latin typeface="Nunito" pitchFamily="2" charset="0"/>
+              </a:rPr>
+              <a:t>Its purpose is to set the file buffers to read and write.</a:t>
+            </a:r>
+          </a:p>
+          <a:p>
+            <a:pPr lvl="1" fontAlgn="base">
+              <a:buFont typeface="Wingdings" panose="05000000000000000000" pitchFamily="2" charset="2"/>
+              <a:buChar char="§"/>
+            </a:pPr>
+            <a:r>
+              <a:rPr lang="en-US" b="0" i="0" dirty="0">
+                <a:solidFill>
+                  <a:srgbClr val="273239"/>
+                </a:solidFill>
+                <a:effectLst/>
+                <a:latin typeface="Nunito" pitchFamily="2" charset="0"/>
+              </a:rPr>
+              <a:t>We can also use file buffer member function to determine the length of the file.</a:t>
+            </a:r>
+          </a:p>
+          <a:p>
+            <a:endParaRPr lang="en-IN" dirty="0"/>
+          </a:p>
+        </p:txBody>
+      </p:sp>
+    </p:spTree>
+    <p:extLst>
+      <p:ext uri="{BB962C8B-B14F-4D97-AF65-F5344CB8AC3E}">
+        <p14:creationId xmlns:p14="http://schemas.microsoft.com/office/powerpoint/2010/main" val="78834783"/>
+      </p:ext>
+    </p:extLst>
+  </p:cSld>
+  <p:clrMapOvr>
+    <a:masterClrMapping/>
+  </p:clrMapOvr>
+</p:sld>
+</file>
+
+<file path=ppt/slides/slide42.xml><?xml version="1.0" encoding="utf-8"?>
+<p:sld xmlns:a="http://schemas.openxmlformats.org/drawingml/2006/main" xmlns:r="http://schemas.openxmlformats.org/officeDocument/2006/relationships" xmlns:p="http://schemas.openxmlformats.org/presentationml/2006/main">
+  <p:cSld>
+    <p:spTree>
+      <p:nvGrpSpPr>
+        <p:cNvPr id="1" name=""/>
+        <p:cNvGrpSpPr/>
+        <p:nvPr/>
+      </p:nvGrpSpPr>
+      <p:grpSpPr>
+        <a:xfrm>
+          <a:off x="0" y="0"/>
+          <a:ext cx="0" cy="0"/>
+          <a:chOff x="0" y="0"/>
+          <a:chExt cx="0" cy="0"/>
+        </a:xfrm>
+      </p:grpSpPr>
+      <p:sp>
+        <p:nvSpPr>
+          <p:cNvPr id="2" name="Title 1">
+            <a:extLst>
+              <a:ext uri="{FF2B5EF4-FFF2-40B4-BE49-F238E27FC236}">
+                <a16:creationId xmlns:a16="http://schemas.microsoft.com/office/drawing/2014/main" id="{4293E906-79F8-4E85-9B82-10DF24A413D7}"/>
+              </a:ext>
+            </a:extLst>
+          </p:cNvPr>
+          <p:cNvSpPr>
+            <a:spLocks noGrp="1"/>
+          </p:cNvSpPr>
+          <p:nvPr>
+            <p:ph type="title"/>
+          </p:nvPr>
+        </p:nvSpPr>
+        <p:spPr>
+          <a:xfrm>
+            <a:off x="457200" y="274638"/>
+            <a:ext cx="8229600" cy="457199"/>
+          </a:xfrm>
+        </p:spPr>
+        <p:txBody>
+          <a:bodyPr>
+            <a:normAutofit fontScale="90000"/>
+          </a:bodyPr>
+          <a:lstStyle/>
+          <a:p>
+            <a:r>
+              <a:rPr lang="en-US" dirty="0"/>
+              <a:t>Mode </a:t>
+            </a:r>
+            <a:r>
+              <a:rPr lang="en-US" dirty="0" err="1"/>
+              <a:t>ios</a:t>
+            </a:r>
+            <a:r>
+              <a:rPr lang="en-US" dirty="0"/>
+              <a:t>::</a:t>
+            </a:r>
+            <a:endParaRPr lang="en-IN" dirty="0"/>
+          </a:p>
+        </p:txBody>
+      </p:sp>
+      <p:graphicFrame>
+        <p:nvGraphicFramePr>
+          <p:cNvPr id="4" name="Table 4">
+            <a:extLst>
+              <a:ext uri="{FF2B5EF4-FFF2-40B4-BE49-F238E27FC236}">
+                <a16:creationId xmlns:a16="http://schemas.microsoft.com/office/drawing/2014/main" id="{AE3E46CA-F202-472A-BCFD-02719991EC5A}"/>
+              </a:ext>
+            </a:extLst>
+          </p:cNvPr>
+          <p:cNvGraphicFramePr>
+            <a:graphicFrameLocks noGrp="1"/>
+          </p:cNvGraphicFramePr>
+          <p:nvPr>
+            <p:ph idx="1"/>
+            <p:extLst>
+              <p:ext uri="{D42A27DB-BD31-4B8C-83A1-F6EECF244321}">
+                <p14:modId xmlns:p14="http://schemas.microsoft.com/office/powerpoint/2010/main" val="1907994261"/>
+              </p:ext>
+            </p:extLst>
+          </p:nvPr>
+        </p:nvGraphicFramePr>
+        <p:xfrm>
+          <a:off x="457200" y="1219200"/>
+          <a:ext cx="8229600" cy="5120640"/>
+        </p:xfrm>
+        <a:graphic>
+          <a:graphicData uri="http://schemas.openxmlformats.org/drawingml/2006/table">
+            <a:tbl>
+              <a:tblPr firstRow="1" bandRow="1">
+                <a:tableStyleId>{2D5ABB26-0587-4C30-8999-92F81FD0307C}</a:tableStyleId>
+              </a:tblPr>
+              <a:tblGrid>
+                <a:gridCol w="1219200">
+                  <a:extLst>
+                    <a:ext uri="{9D8B030D-6E8A-4147-A177-3AD203B41FA5}">
+                      <a16:colId xmlns:a16="http://schemas.microsoft.com/office/drawing/2014/main" val="3597743531"/>
+                    </a:ext>
+                  </a:extLst>
+                </a:gridCol>
+                <a:gridCol w="1371600">
+                  <a:extLst>
+                    <a:ext uri="{9D8B030D-6E8A-4147-A177-3AD203B41FA5}">
+                      <a16:colId xmlns:a16="http://schemas.microsoft.com/office/drawing/2014/main" val="1049201518"/>
+                    </a:ext>
+                  </a:extLst>
+                </a:gridCol>
+                <a:gridCol w="5638800">
+                  <a:extLst>
+                    <a:ext uri="{9D8B030D-6E8A-4147-A177-3AD203B41FA5}">
+                      <a16:colId xmlns:a16="http://schemas.microsoft.com/office/drawing/2014/main" val="188949791"/>
+                    </a:ext>
+                  </a:extLst>
+                </a:gridCol>
+              </a:tblGrid>
+              <a:tr h="370840">
+                <a:tc>
+                  <a:txBody>
+                    <a:bodyPr/>
+                    <a:lstStyle/>
+                    <a:p>
+                      <a:pPr algn="ctr" fontAlgn="ctr"/>
+                      <a:r>
+                        <a:rPr lang="en-IN" sz="2100" b="0" dirty="0">
+                          <a:effectLst/>
+                        </a:rPr>
+                        <a:t>in *</a:t>
+                      </a:r>
+                    </a:p>
+                  </a:txBody>
+                  <a:tcPr marL="95250" marR="95250" marT="133350" marB="133350" anchor="ctr">
+                    <a:lnL w="12700" cap="flat" cmpd="sng" algn="ctr">
+                      <a:solidFill>
+                        <a:schemeClr val="tx1"/>
+                      </a:solidFill>
+                      <a:prstDash val="solid"/>
+                      <a:round/>
+                      <a:headEnd type="none" w="med" len="med"/>
+                      <a:tailEnd type="none" w="med" len="med"/>
+                    </a:lnL>
+                    <a:lnR w="12700" cap="flat" cmpd="sng" algn="ctr">
+                      <a:solidFill>
+                        <a:schemeClr val="tx1"/>
+                      </a:solidFill>
+                      <a:prstDash val="solid"/>
+                      <a:round/>
+                      <a:headEnd type="none" w="med" len="med"/>
+                      <a:tailEnd type="none" w="med" len="med"/>
+                    </a:lnR>
+                    <a:lnT w="12700" cap="flat" cmpd="sng" algn="ctr">
+                      <a:solidFill>
+                        <a:schemeClr val="tx1"/>
+                      </a:solidFill>
+                      <a:prstDash val="solid"/>
+                      <a:round/>
+                      <a:headEnd type="none" w="med" len="med"/>
+                      <a:tailEnd type="none" w="med" len="med"/>
+                    </a:lnT>
+                    <a:lnB w="12700" cap="flat" cmpd="sng" algn="ctr">
+                      <a:solidFill>
+                        <a:schemeClr val="tx1"/>
+                      </a:solidFill>
+                      <a:prstDash val="solid"/>
+                      <a:round/>
+                      <a:headEnd type="none" w="med" len="med"/>
+                      <a:tailEnd type="none" w="med" len="med"/>
+                    </a:lnB>
+                  </a:tcPr>
+                </a:tc>
+                <a:tc>
+                  <a:txBody>
+                    <a:bodyPr/>
+                    <a:lstStyle/>
+                    <a:p>
+                      <a:pPr algn="ctr" fontAlgn="ctr"/>
+                      <a:r>
+                        <a:rPr lang="en-IN" sz="2100" b="0">
+                          <a:effectLst/>
+                        </a:rPr>
+                        <a:t>input</a:t>
+                      </a:r>
+                    </a:p>
+                  </a:txBody>
+                  <a:tcPr marL="95250" marR="95250" marT="133350" marB="133350" anchor="ctr">
+                    <a:lnL w="12700" cap="flat" cmpd="sng" algn="ctr">
+                      <a:solidFill>
+                        <a:schemeClr val="tx1"/>
+                      </a:solidFill>
+                      <a:prstDash val="solid"/>
+                      <a:round/>
+                      <a:headEnd type="none" w="med" len="med"/>
+                      <a:tailEnd type="none" w="med" len="med"/>
+                    </a:lnL>
+                    <a:lnR w="12700" cap="flat" cmpd="sng" algn="ctr">
+                      <a:solidFill>
+                        <a:schemeClr val="tx1"/>
+                      </a:solidFill>
+                      <a:prstDash val="solid"/>
+                      <a:round/>
+                      <a:headEnd type="none" w="med" len="med"/>
+                      <a:tailEnd type="none" w="med" len="med"/>
+                    </a:lnR>
+                    <a:lnT w="12700" cap="flat" cmpd="sng" algn="ctr">
+                      <a:solidFill>
+                        <a:schemeClr val="tx1"/>
+                      </a:solidFill>
+                      <a:prstDash val="solid"/>
+                      <a:round/>
+                      <a:headEnd type="none" w="med" len="med"/>
+                      <a:tailEnd type="none" w="med" len="med"/>
+                    </a:lnT>
+                    <a:lnB w="12700" cap="flat" cmpd="sng" algn="ctr">
+                      <a:solidFill>
+                        <a:schemeClr val="tx1"/>
+                      </a:solidFill>
+                      <a:prstDash val="solid"/>
+                      <a:round/>
+                      <a:headEnd type="none" w="med" len="med"/>
+                      <a:tailEnd type="none" w="med" len="med"/>
+                    </a:lnB>
+                  </a:tcPr>
+                </a:tc>
+                <a:tc>
+                  <a:txBody>
+                    <a:bodyPr/>
+                    <a:lstStyle/>
+                    <a:p>
+                      <a:pPr algn="ctr" fontAlgn="ctr"/>
+                      <a:r>
+                        <a:rPr lang="en-US" sz="2100" b="0" dirty="0">
+                          <a:effectLst/>
+                        </a:rPr>
+                        <a:t>File open for reading: the internal stream buffer supports input operations.</a:t>
+                      </a:r>
+                    </a:p>
+                  </a:txBody>
+                  <a:tcPr marL="95250" marR="95250" marT="133350" marB="133350" anchor="ctr">
+                    <a:lnL w="12700" cap="flat" cmpd="sng" algn="ctr">
+                      <a:solidFill>
+                        <a:schemeClr val="tx1"/>
+                      </a:solidFill>
+                      <a:prstDash val="solid"/>
+                      <a:round/>
+                      <a:headEnd type="none" w="med" len="med"/>
+                      <a:tailEnd type="none" w="med" len="med"/>
+                    </a:lnL>
+                    <a:lnR w="12700" cap="flat" cmpd="sng" algn="ctr">
+                      <a:solidFill>
+                        <a:schemeClr val="tx1"/>
+                      </a:solidFill>
+                      <a:prstDash val="solid"/>
+                      <a:round/>
+                      <a:headEnd type="none" w="med" len="med"/>
+                      <a:tailEnd type="none" w="med" len="med"/>
+                    </a:lnR>
+                    <a:lnT w="12700" cap="flat" cmpd="sng" algn="ctr">
+                      <a:solidFill>
+                        <a:schemeClr val="tx1"/>
+                      </a:solidFill>
+                      <a:prstDash val="solid"/>
+                      <a:round/>
+                      <a:headEnd type="none" w="med" len="med"/>
+                      <a:tailEnd type="none" w="med" len="med"/>
+                    </a:lnT>
+                    <a:lnB w="12700" cap="flat" cmpd="sng" algn="ctr">
+                      <a:solidFill>
+                        <a:schemeClr val="tx1"/>
+                      </a:solidFill>
+                      <a:prstDash val="solid"/>
+                      <a:round/>
+                      <a:headEnd type="none" w="med" len="med"/>
+                      <a:tailEnd type="none" w="med" len="med"/>
+                    </a:lnB>
+                  </a:tcPr>
+                </a:tc>
+                <a:extLst>
+                  <a:ext uri="{0D108BD9-81ED-4DB2-BD59-A6C34878D82A}">
+                    <a16:rowId xmlns:a16="http://schemas.microsoft.com/office/drawing/2014/main" val="3123730341"/>
+                  </a:ext>
+                </a:extLst>
+              </a:tr>
+              <a:tr h="370840">
+                <a:tc>
+                  <a:txBody>
+                    <a:bodyPr/>
+                    <a:lstStyle/>
+                    <a:p>
+                      <a:pPr algn="ctr" fontAlgn="ctr"/>
+                      <a:r>
+                        <a:rPr lang="en-IN" sz="2100" b="0">
+                          <a:effectLst/>
+                        </a:rPr>
+                        <a:t>out</a:t>
+                      </a:r>
+                    </a:p>
+                  </a:txBody>
+                  <a:tcPr marL="95250" marR="95250" marT="133350" marB="133350" anchor="ctr">
+                    <a:lnL w="12700" cap="flat" cmpd="sng" algn="ctr">
+                      <a:solidFill>
+                        <a:schemeClr val="tx1"/>
+                      </a:solidFill>
+                      <a:prstDash val="solid"/>
+                      <a:round/>
+                      <a:headEnd type="none" w="med" len="med"/>
+                      <a:tailEnd type="none" w="med" len="med"/>
+                    </a:lnL>
+                    <a:lnR w="12700" cap="flat" cmpd="sng" algn="ctr">
+                      <a:solidFill>
+                        <a:schemeClr val="tx1"/>
+                      </a:solidFill>
+                      <a:prstDash val="solid"/>
+                      <a:round/>
+                      <a:headEnd type="none" w="med" len="med"/>
+                      <a:tailEnd type="none" w="med" len="med"/>
+                    </a:lnR>
+                    <a:lnT w="12700" cap="flat" cmpd="sng" algn="ctr">
+                      <a:solidFill>
+                        <a:schemeClr val="tx1"/>
+                      </a:solidFill>
+                      <a:prstDash val="solid"/>
+                      <a:round/>
+                      <a:headEnd type="none" w="med" len="med"/>
+                      <a:tailEnd type="none" w="med" len="med"/>
+                    </a:lnT>
+                    <a:lnB w="12700" cap="flat" cmpd="sng" algn="ctr">
+                      <a:solidFill>
+                        <a:schemeClr val="tx1"/>
+                      </a:solidFill>
+                      <a:prstDash val="solid"/>
+                      <a:round/>
+                      <a:headEnd type="none" w="med" len="med"/>
+                      <a:tailEnd type="none" w="med" len="med"/>
+                    </a:lnB>
+                  </a:tcPr>
+                </a:tc>
+                <a:tc>
+                  <a:txBody>
+                    <a:bodyPr/>
+                    <a:lstStyle/>
+                    <a:p>
+                      <a:pPr algn="ctr" fontAlgn="ctr"/>
+                      <a:r>
+                        <a:rPr lang="en-IN" sz="2100" b="0">
+                          <a:effectLst/>
+                        </a:rPr>
+                        <a:t>output</a:t>
+                      </a:r>
+                    </a:p>
+                  </a:txBody>
+                  <a:tcPr marL="95250" marR="95250" marT="133350" marB="133350" anchor="ctr">
+                    <a:lnL w="12700" cap="flat" cmpd="sng" algn="ctr">
+                      <a:solidFill>
+                        <a:schemeClr val="tx1"/>
+                      </a:solidFill>
+                      <a:prstDash val="solid"/>
+                      <a:round/>
+                      <a:headEnd type="none" w="med" len="med"/>
+                      <a:tailEnd type="none" w="med" len="med"/>
+                    </a:lnL>
+                    <a:lnR w="12700" cap="flat" cmpd="sng" algn="ctr">
+                      <a:solidFill>
+                        <a:schemeClr val="tx1"/>
+                      </a:solidFill>
+                      <a:prstDash val="solid"/>
+                      <a:round/>
+                      <a:headEnd type="none" w="med" len="med"/>
+                      <a:tailEnd type="none" w="med" len="med"/>
+                    </a:lnR>
+                    <a:lnT w="12700" cap="flat" cmpd="sng" algn="ctr">
+                      <a:solidFill>
+                        <a:schemeClr val="tx1"/>
+                      </a:solidFill>
+                      <a:prstDash val="solid"/>
+                      <a:round/>
+                      <a:headEnd type="none" w="med" len="med"/>
+                      <a:tailEnd type="none" w="med" len="med"/>
+                    </a:lnT>
+                    <a:lnB w="12700" cap="flat" cmpd="sng" algn="ctr">
+                      <a:solidFill>
+                        <a:schemeClr val="tx1"/>
+                      </a:solidFill>
+                      <a:prstDash val="solid"/>
+                      <a:round/>
+                      <a:headEnd type="none" w="med" len="med"/>
+                      <a:tailEnd type="none" w="med" len="med"/>
+                    </a:lnB>
+                  </a:tcPr>
+                </a:tc>
+                <a:tc>
+                  <a:txBody>
+                    <a:bodyPr/>
+                    <a:lstStyle/>
+                    <a:p>
+                      <a:pPr algn="ctr" fontAlgn="ctr"/>
+                      <a:r>
+                        <a:rPr lang="en-US" sz="2100" b="0" dirty="0">
+                          <a:effectLst/>
+                        </a:rPr>
+                        <a:t>File open for writing: the internal stream buffer supports output operations.</a:t>
+                      </a:r>
+                    </a:p>
+                  </a:txBody>
+                  <a:tcPr marL="95250" marR="95250" marT="133350" marB="133350" anchor="ctr">
+                    <a:lnL w="12700" cap="flat" cmpd="sng" algn="ctr">
+                      <a:solidFill>
+                        <a:schemeClr val="tx1"/>
+                      </a:solidFill>
+                      <a:prstDash val="solid"/>
+                      <a:round/>
+                      <a:headEnd type="none" w="med" len="med"/>
+                      <a:tailEnd type="none" w="med" len="med"/>
+                    </a:lnL>
+                    <a:lnR w="12700" cap="flat" cmpd="sng" algn="ctr">
+                      <a:solidFill>
+                        <a:schemeClr val="tx1"/>
+                      </a:solidFill>
+                      <a:prstDash val="solid"/>
+                      <a:round/>
+                      <a:headEnd type="none" w="med" len="med"/>
+                      <a:tailEnd type="none" w="med" len="med"/>
+                    </a:lnR>
+                    <a:lnT w="12700" cap="flat" cmpd="sng" algn="ctr">
+                      <a:solidFill>
+                        <a:schemeClr val="tx1"/>
+                      </a:solidFill>
+                      <a:prstDash val="solid"/>
+                      <a:round/>
+                      <a:headEnd type="none" w="med" len="med"/>
+                      <a:tailEnd type="none" w="med" len="med"/>
+                    </a:lnT>
+                    <a:lnB w="12700" cap="flat" cmpd="sng" algn="ctr">
+                      <a:solidFill>
+                        <a:schemeClr val="tx1"/>
+                      </a:solidFill>
+                      <a:prstDash val="solid"/>
+                      <a:round/>
+                      <a:headEnd type="none" w="med" len="med"/>
+                      <a:tailEnd type="none" w="med" len="med"/>
+                    </a:lnB>
+                  </a:tcPr>
+                </a:tc>
+                <a:extLst>
+                  <a:ext uri="{0D108BD9-81ED-4DB2-BD59-A6C34878D82A}">
+                    <a16:rowId xmlns:a16="http://schemas.microsoft.com/office/drawing/2014/main" val="3914942155"/>
+                  </a:ext>
+                </a:extLst>
+              </a:tr>
+              <a:tr h="370840">
+                <a:tc>
+                  <a:txBody>
+                    <a:bodyPr/>
+                    <a:lstStyle/>
+                    <a:p>
+                      <a:pPr algn="ctr" fontAlgn="ctr"/>
+                      <a:r>
+                        <a:rPr lang="en-IN" sz="2100" b="0">
+                          <a:effectLst/>
+                        </a:rPr>
+                        <a:t>binary</a:t>
+                      </a:r>
+                    </a:p>
+                  </a:txBody>
+                  <a:tcPr marL="95250" marR="95250" marT="133350" marB="133350" anchor="ctr">
+                    <a:lnL w="12700" cap="flat" cmpd="sng" algn="ctr">
+                      <a:solidFill>
+                        <a:schemeClr val="tx1"/>
+                      </a:solidFill>
+                      <a:prstDash val="solid"/>
+                      <a:round/>
+                      <a:headEnd type="none" w="med" len="med"/>
+                      <a:tailEnd type="none" w="med" len="med"/>
+                    </a:lnL>
+                    <a:lnR w="12700" cap="flat" cmpd="sng" algn="ctr">
+                      <a:solidFill>
+                        <a:schemeClr val="tx1"/>
+                      </a:solidFill>
+                      <a:prstDash val="solid"/>
+                      <a:round/>
+                      <a:headEnd type="none" w="med" len="med"/>
+                      <a:tailEnd type="none" w="med" len="med"/>
+                    </a:lnR>
+                    <a:lnT w="12700" cap="flat" cmpd="sng" algn="ctr">
+                      <a:solidFill>
+                        <a:schemeClr val="tx1"/>
+                      </a:solidFill>
+                      <a:prstDash val="solid"/>
+                      <a:round/>
+                      <a:headEnd type="none" w="med" len="med"/>
+                      <a:tailEnd type="none" w="med" len="med"/>
+                    </a:lnT>
+                    <a:lnB w="12700" cap="flat" cmpd="sng" algn="ctr">
+                      <a:solidFill>
+                        <a:schemeClr val="tx1"/>
+                      </a:solidFill>
+                      <a:prstDash val="solid"/>
+                      <a:round/>
+                      <a:headEnd type="none" w="med" len="med"/>
+                      <a:tailEnd type="none" w="med" len="med"/>
+                    </a:lnB>
+                  </a:tcPr>
+                </a:tc>
+                <a:tc>
+                  <a:txBody>
+                    <a:bodyPr/>
+                    <a:lstStyle/>
+                    <a:p>
+                      <a:pPr algn="ctr" fontAlgn="ctr"/>
+                      <a:r>
+                        <a:rPr lang="en-IN" sz="2100" b="0" dirty="0">
+                          <a:effectLst/>
+                        </a:rPr>
+                        <a:t>binary</a:t>
+                      </a:r>
+                    </a:p>
+                  </a:txBody>
+                  <a:tcPr marL="95250" marR="95250" marT="133350" marB="133350" anchor="ctr">
+                    <a:lnL w="12700" cap="flat" cmpd="sng" algn="ctr">
+                      <a:solidFill>
+                        <a:schemeClr val="tx1"/>
+                      </a:solidFill>
+                      <a:prstDash val="solid"/>
+                      <a:round/>
+                      <a:headEnd type="none" w="med" len="med"/>
+                      <a:tailEnd type="none" w="med" len="med"/>
+                    </a:lnL>
+                    <a:lnR w="12700" cap="flat" cmpd="sng" algn="ctr">
+                      <a:solidFill>
+                        <a:schemeClr val="tx1"/>
+                      </a:solidFill>
+                      <a:prstDash val="solid"/>
+                      <a:round/>
+                      <a:headEnd type="none" w="med" len="med"/>
+                      <a:tailEnd type="none" w="med" len="med"/>
+                    </a:lnR>
+                    <a:lnT w="12700" cap="flat" cmpd="sng" algn="ctr">
+                      <a:solidFill>
+                        <a:schemeClr val="tx1"/>
+                      </a:solidFill>
+                      <a:prstDash val="solid"/>
+                      <a:round/>
+                      <a:headEnd type="none" w="med" len="med"/>
+                      <a:tailEnd type="none" w="med" len="med"/>
+                    </a:lnT>
+                    <a:lnB w="12700" cap="flat" cmpd="sng" algn="ctr">
+                      <a:solidFill>
+                        <a:schemeClr val="tx1"/>
+                      </a:solidFill>
+                      <a:prstDash val="solid"/>
+                      <a:round/>
+                      <a:headEnd type="none" w="med" len="med"/>
+                      <a:tailEnd type="none" w="med" len="med"/>
+                    </a:lnB>
+                  </a:tcPr>
+                </a:tc>
+                <a:tc>
+                  <a:txBody>
+                    <a:bodyPr/>
+                    <a:lstStyle/>
+                    <a:p>
+                      <a:pPr algn="ctr" fontAlgn="ctr"/>
+                      <a:r>
+                        <a:rPr lang="en-US" sz="2100" b="0" dirty="0">
+                          <a:effectLst/>
+                        </a:rPr>
+                        <a:t>Operations are performed in binary mode rather than text.</a:t>
+                      </a:r>
+                    </a:p>
+                  </a:txBody>
+                  <a:tcPr marL="95250" marR="95250" marT="133350" marB="133350" anchor="ctr">
+                    <a:lnL w="12700" cap="flat" cmpd="sng" algn="ctr">
+                      <a:solidFill>
+                        <a:schemeClr val="tx1"/>
+                      </a:solidFill>
+                      <a:prstDash val="solid"/>
+                      <a:round/>
+                      <a:headEnd type="none" w="med" len="med"/>
+                      <a:tailEnd type="none" w="med" len="med"/>
+                    </a:lnL>
+                    <a:lnR w="12700" cap="flat" cmpd="sng" algn="ctr">
+                      <a:solidFill>
+                        <a:schemeClr val="tx1"/>
+                      </a:solidFill>
+                      <a:prstDash val="solid"/>
+                      <a:round/>
+                      <a:headEnd type="none" w="med" len="med"/>
+                      <a:tailEnd type="none" w="med" len="med"/>
+                    </a:lnR>
+                    <a:lnT w="12700" cap="flat" cmpd="sng" algn="ctr">
+                      <a:solidFill>
+                        <a:schemeClr val="tx1"/>
+                      </a:solidFill>
+                      <a:prstDash val="solid"/>
+                      <a:round/>
+                      <a:headEnd type="none" w="med" len="med"/>
+                      <a:tailEnd type="none" w="med" len="med"/>
+                    </a:lnT>
+                    <a:lnB w="12700" cap="flat" cmpd="sng" algn="ctr">
+                      <a:solidFill>
+                        <a:schemeClr val="tx1"/>
+                      </a:solidFill>
+                      <a:prstDash val="solid"/>
+                      <a:round/>
+                      <a:headEnd type="none" w="med" len="med"/>
+                      <a:tailEnd type="none" w="med" len="med"/>
+                    </a:lnB>
+                  </a:tcPr>
+                </a:tc>
+                <a:extLst>
+                  <a:ext uri="{0D108BD9-81ED-4DB2-BD59-A6C34878D82A}">
+                    <a16:rowId xmlns:a16="http://schemas.microsoft.com/office/drawing/2014/main" val="1984157967"/>
+                  </a:ext>
+                </a:extLst>
+              </a:tr>
+              <a:tr h="370840">
+                <a:tc>
+                  <a:txBody>
+                    <a:bodyPr/>
+                    <a:lstStyle/>
+                    <a:p>
+                      <a:pPr algn="ctr" fontAlgn="ctr"/>
+                      <a:r>
+                        <a:rPr lang="en-IN" sz="2100" b="0">
+                          <a:effectLst/>
+                        </a:rPr>
+                        <a:t>ate</a:t>
+                      </a:r>
+                    </a:p>
+                  </a:txBody>
+                  <a:tcPr marL="95250" marR="95250" marT="133350" marB="133350" anchor="ctr">
+                    <a:lnL w="12700" cap="flat" cmpd="sng" algn="ctr">
+                      <a:solidFill>
+                        <a:schemeClr val="tx1"/>
+                      </a:solidFill>
+                      <a:prstDash val="solid"/>
+                      <a:round/>
+                      <a:headEnd type="none" w="med" len="med"/>
+                      <a:tailEnd type="none" w="med" len="med"/>
+                    </a:lnL>
+                    <a:lnR w="12700" cap="flat" cmpd="sng" algn="ctr">
+                      <a:solidFill>
+                        <a:schemeClr val="tx1"/>
+                      </a:solidFill>
+                      <a:prstDash val="solid"/>
+                      <a:round/>
+                      <a:headEnd type="none" w="med" len="med"/>
+                      <a:tailEnd type="none" w="med" len="med"/>
+                    </a:lnR>
+                    <a:lnT w="12700" cap="flat" cmpd="sng" algn="ctr">
+                      <a:solidFill>
+                        <a:schemeClr val="tx1"/>
+                      </a:solidFill>
+                      <a:prstDash val="solid"/>
+                      <a:round/>
+                      <a:headEnd type="none" w="med" len="med"/>
+                      <a:tailEnd type="none" w="med" len="med"/>
+                    </a:lnT>
+                    <a:lnB w="12700" cap="flat" cmpd="sng" algn="ctr">
+                      <a:solidFill>
+                        <a:schemeClr val="tx1"/>
+                      </a:solidFill>
+                      <a:prstDash val="solid"/>
+                      <a:round/>
+                      <a:headEnd type="none" w="med" len="med"/>
+                      <a:tailEnd type="none" w="med" len="med"/>
+                    </a:lnB>
+                  </a:tcPr>
+                </a:tc>
+                <a:tc>
+                  <a:txBody>
+                    <a:bodyPr/>
+                    <a:lstStyle/>
+                    <a:p>
+                      <a:pPr algn="ctr" fontAlgn="ctr"/>
+                      <a:r>
+                        <a:rPr lang="en-IN" sz="2100" b="0" dirty="0">
+                          <a:effectLst/>
+                        </a:rPr>
+                        <a:t>at end</a:t>
+                      </a:r>
+                    </a:p>
+                  </a:txBody>
+                  <a:tcPr marL="95250" marR="95250" marT="133350" marB="133350" anchor="ctr">
+                    <a:lnL w="12700" cap="flat" cmpd="sng" algn="ctr">
+                      <a:solidFill>
+                        <a:schemeClr val="tx1"/>
+                      </a:solidFill>
+                      <a:prstDash val="solid"/>
+                      <a:round/>
+                      <a:headEnd type="none" w="med" len="med"/>
+                      <a:tailEnd type="none" w="med" len="med"/>
+                    </a:lnL>
+                    <a:lnR w="12700" cap="flat" cmpd="sng" algn="ctr">
+                      <a:solidFill>
+                        <a:schemeClr val="tx1"/>
+                      </a:solidFill>
+                      <a:prstDash val="solid"/>
+                      <a:round/>
+                      <a:headEnd type="none" w="med" len="med"/>
+                      <a:tailEnd type="none" w="med" len="med"/>
+                    </a:lnR>
+                    <a:lnT w="12700" cap="flat" cmpd="sng" algn="ctr">
+                      <a:solidFill>
+                        <a:schemeClr val="tx1"/>
+                      </a:solidFill>
+                      <a:prstDash val="solid"/>
+                      <a:round/>
+                      <a:headEnd type="none" w="med" len="med"/>
+                      <a:tailEnd type="none" w="med" len="med"/>
+                    </a:lnT>
+                    <a:lnB w="12700" cap="flat" cmpd="sng" algn="ctr">
+                      <a:solidFill>
+                        <a:schemeClr val="tx1"/>
+                      </a:solidFill>
+                      <a:prstDash val="solid"/>
+                      <a:round/>
+                      <a:headEnd type="none" w="med" len="med"/>
+                      <a:tailEnd type="none" w="med" len="med"/>
+                    </a:lnB>
+                  </a:tcPr>
+                </a:tc>
+                <a:tc>
+                  <a:txBody>
+                    <a:bodyPr/>
+                    <a:lstStyle/>
+                    <a:p>
+                      <a:pPr algn="ctr" fontAlgn="ctr"/>
+                      <a:r>
+                        <a:rPr lang="en-US" sz="2100" b="0" dirty="0">
+                          <a:effectLst/>
+                        </a:rPr>
+                        <a:t>The output position starts at the end of the file.</a:t>
+                      </a:r>
+                    </a:p>
+                  </a:txBody>
+                  <a:tcPr marL="95250" marR="95250" marT="133350" marB="133350" anchor="ctr">
+                    <a:lnL w="12700" cap="flat" cmpd="sng" algn="ctr">
+                      <a:solidFill>
+                        <a:schemeClr val="tx1"/>
+                      </a:solidFill>
+                      <a:prstDash val="solid"/>
+                      <a:round/>
+                      <a:headEnd type="none" w="med" len="med"/>
+                      <a:tailEnd type="none" w="med" len="med"/>
+                    </a:lnL>
+                    <a:lnR w="12700" cap="flat" cmpd="sng" algn="ctr">
+                      <a:solidFill>
+                        <a:schemeClr val="tx1"/>
+                      </a:solidFill>
+                      <a:prstDash val="solid"/>
+                      <a:round/>
+                      <a:headEnd type="none" w="med" len="med"/>
+                      <a:tailEnd type="none" w="med" len="med"/>
+                    </a:lnR>
+                    <a:lnT w="12700" cap="flat" cmpd="sng" algn="ctr">
+                      <a:solidFill>
+                        <a:schemeClr val="tx1"/>
+                      </a:solidFill>
+                      <a:prstDash val="solid"/>
+                      <a:round/>
+                      <a:headEnd type="none" w="med" len="med"/>
+                      <a:tailEnd type="none" w="med" len="med"/>
+                    </a:lnT>
+                    <a:lnB w="12700" cap="flat" cmpd="sng" algn="ctr">
+                      <a:solidFill>
+                        <a:schemeClr val="tx1"/>
+                      </a:solidFill>
+                      <a:prstDash val="solid"/>
+                      <a:round/>
+                      <a:headEnd type="none" w="med" len="med"/>
+                      <a:tailEnd type="none" w="med" len="med"/>
+                    </a:lnB>
+                  </a:tcPr>
+                </a:tc>
+                <a:extLst>
+                  <a:ext uri="{0D108BD9-81ED-4DB2-BD59-A6C34878D82A}">
+                    <a16:rowId xmlns:a16="http://schemas.microsoft.com/office/drawing/2014/main" val="3617988814"/>
+                  </a:ext>
+                </a:extLst>
+              </a:tr>
+              <a:tr h="370840">
+                <a:tc>
+                  <a:txBody>
+                    <a:bodyPr/>
+                    <a:lstStyle/>
+                    <a:p>
+                      <a:pPr algn="ctr" fontAlgn="ctr"/>
+                      <a:r>
+                        <a:rPr lang="en-IN" sz="2100" b="0" dirty="0">
+                          <a:effectLst/>
+                        </a:rPr>
+                        <a:t>app</a:t>
+                      </a:r>
+                    </a:p>
+                  </a:txBody>
+                  <a:tcPr marL="95250" marR="95250" marT="133350" marB="133350" anchor="ctr">
+                    <a:lnL w="12700" cap="flat" cmpd="sng" algn="ctr">
+                      <a:solidFill>
+                        <a:schemeClr val="tx1"/>
+                      </a:solidFill>
+                      <a:prstDash val="solid"/>
+                      <a:round/>
+                      <a:headEnd type="none" w="med" len="med"/>
+                      <a:tailEnd type="none" w="med" len="med"/>
+                    </a:lnL>
+                    <a:lnR w="12700" cap="flat" cmpd="sng" algn="ctr">
+                      <a:solidFill>
+                        <a:schemeClr val="tx1"/>
+                      </a:solidFill>
+                      <a:prstDash val="solid"/>
+                      <a:round/>
+                      <a:headEnd type="none" w="med" len="med"/>
+                      <a:tailEnd type="none" w="med" len="med"/>
+                    </a:lnR>
+                    <a:lnT w="12700" cap="flat" cmpd="sng" algn="ctr">
+                      <a:solidFill>
+                        <a:schemeClr val="tx1"/>
+                      </a:solidFill>
+                      <a:prstDash val="solid"/>
+                      <a:round/>
+                      <a:headEnd type="none" w="med" len="med"/>
+                      <a:tailEnd type="none" w="med" len="med"/>
+                    </a:lnT>
+                    <a:lnB w="12700" cap="flat" cmpd="sng" algn="ctr">
+                      <a:solidFill>
+                        <a:schemeClr val="tx1"/>
+                      </a:solidFill>
+                      <a:prstDash val="solid"/>
+                      <a:round/>
+                      <a:headEnd type="none" w="med" len="med"/>
+                      <a:tailEnd type="none" w="med" len="med"/>
+                    </a:lnB>
+                  </a:tcPr>
+                </a:tc>
+                <a:tc>
+                  <a:txBody>
+                    <a:bodyPr/>
+                    <a:lstStyle/>
+                    <a:p>
+                      <a:pPr algn="ctr" fontAlgn="ctr"/>
+                      <a:r>
+                        <a:rPr lang="en-IN" sz="2100" b="0" dirty="0">
+                          <a:effectLst/>
+                        </a:rPr>
+                        <a:t>append</a:t>
+                      </a:r>
+                    </a:p>
+                  </a:txBody>
+                  <a:tcPr marL="95250" marR="95250" marT="133350" marB="133350" anchor="ctr">
+                    <a:lnL w="12700" cap="flat" cmpd="sng" algn="ctr">
+                      <a:solidFill>
+                        <a:schemeClr val="tx1"/>
+                      </a:solidFill>
+                      <a:prstDash val="solid"/>
+                      <a:round/>
+                      <a:headEnd type="none" w="med" len="med"/>
+                      <a:tailEnd type="none" w="med" len="med"/>
+                    </a:lnL>
+                    <a:lnR w="12700" cap="flat" cmpd="sng" algn="ctr">
+                      <a:solidFill>
+                        <a:schemeClr val="tx1"/>
+                      </a:solidFill>
+                      <a:prstDash val="solid"/>
+                      <a:round/>
+                      <a:headEnd type="none" w="med" len="med"/>
+                      <a:tailEnd type="none" w="med" len="med"/>
+                    </a:lnR>
+                    <a:lnT w="12700" cap="flat" cmpd="sng" algn="ctr">
+                      <a:solidFill>
+                        <a:schemeClr val="tx1"/>
+                      </a:solidFill>
+                      <a:prstDash val="solid"/>
+                      <a:round/>
+                      <a:headEnd type="none" w="med" len="med"/>
+                      <a:tailEnd type="none" w="med" len="med"/>
+                    </a:lnT>
+                    <a:lnB w="12700" cap="flat" cmpd="sng" algn="ctr">
+                      <a:solidFill>
+                        <a:schemeClr val="tx1"/>
+                      </a:solidFill>
+                      <a:prstDash val="solid"/>
+                      <a:round/>
+                      <a:headEnd type="none" w="med" len="med"/>
+                      <a:tailEnd type="none" w="med" len="med"/>
+                    </a:lnB>
+                  </a:tcPr>
+                </a:tc>
+                <a:tc>
+                  <a:txBody>
+                    <a:bodyPr/>
+                    <a:lstStyle/>
+                    <a:p>
+                      <a:pPr algn="ctr" fontAlgn="ctr"/>
+                      <a:r>
+                        <a:rPr lang="en-US" sz="2100" b="0">
+                          <a:effectLst/>
+                        </a:rPr>
+                        <a:t>All output operations happen at the end of the file, appending to its existing contents.</a:t>
+                      </a:r>
+                    </a:p>
+                  </a:txBody>
+                  <a:tcPr marL="95250" marR="95250" marT="133350" marB="133350" anchor="ctr">
+                    <a:lnL w="12700" cap="flat" cmpd="sng" algn="ctr">
+                      <a:solidFill>
+                        <a:schemeClr val="tx1"/>
+                      </a:solidFill>
+                      <a:prstDash val="solid"/>
+                      <a:round/>
+                      <a:headEnd type="none" w="med" len="med"/>
+                      <a:tailEnd type="none" w="med" len="med"/>
+                    </a:lnL>
+                    <a:lnR w="12700" cap="flat" cmpd="sng" algn="ctr">
+                      <a:solidFill>
+                        <a:schemeClr val="tx1"/>
+                      </a:solidFill>
+                      <a:prstDash val="solid"/>
+                      <a:round/>
+                      <a:headEnd type="none" w="med" len="med"/>
+                      <a:tailEnd type="none" w="med" len="med"/>
+                    </a:lnR>
+                    <a:lnT w="12700" cap="flat" cmpd="sng" algn="ctr">
+                      <a:solidFill>
+                        <a:schemeClr val="tx1"/>
+                      </a:solidFill>
+                      <a:prstDash val="solid"/>
+                      <a:round/>
+                      <a:headEnd type="none" w="med" len="med"/>
+                      <a:tailEnd type="none" w="med" len="med"/>
+                    </a:lnT>
+                    <a:lnB w="12700" cap="flat" cmpd="sng" algn="ctr">
+                      <a:solidFill>
+                        <a:schemeClr val="tx1"/>
+                      </a:solidFill>
+                      <a:prstDash val="solid"/>
+                      <a:round/>
+                      <a:headEnd type="none" w="med" len="med"/>
+                      <a:tailEnd type="none" w="med" len="med"/>
+                    </a:lnB>
+                  </a:tcPr>
+                </a:tc>
+                <a:extLst>
+                  <a:ext uri="{0D108BD9-81ED-4DB2-BD59-A6C34878D82A}">
+                    <a16:rowId xmlns:a16="http://schemas.microsoft.com/office/drawing/2014/main" val="162231096"/>
+                  </a:ext>
+                </a:extLst>
+              </a:tr>
+              <a:tr h="370840">
+                <a:tc>
+                  <a:txBody>
+                    <a:bodyPr/>
+                    <a:lstStyle/>
+                    <a:p>
+                      <a:pPr algn="ctr" fontAlgn="ctr"/>
+                      <a:r>
+                        <a:rPr lang="en-IN" sz="2100" b="0">
+                          <a:effectLst/>
+                        </a:rPr>
+                        <a:t>trunc</a:t>
+                      </a:r>
+                    </a:p>
+                  </a:txBody>
+                  <a:tcPr marL="95250" marR="95250" marT="133350" marB="133350" anchor="ctr">
+                    <a:lnL w="12700" cap="flat" cmpd="sng" algn="ctr">
+                      <a:solidFill>
+                        <a:schemeClr val="tx1"/>
+                      </a:solidFill>
+                      <a:prstDash val="solid"/>
+                      <a:round/>
+                      <a:headEnd type="none" w="med" len="med"/>
+                      <a:tailEnd type="none" w="med" len="med"/>
+                    </a:lnL>
+                    <a:lnR w="12700" cap="flat" cmpd="sng" algn="ctr">
+                      <a:solidFill>
+                        <a:schemeClr val="tx1"/>
+                      </a:solidFill>
+                      <a:prstDash val="solid"/>
+                      <a:round/>
+                      <a:headEnd type="none" w="med" len="med"/>
+                      <a:tailEnd type="none" w="med" len="med"/>
+                    </a:lnR>
+                    <a:lnT w="12700" cap="flat" cmpd="sng" algn="ctr">
+                      <a:solidFill>
+                        <a:schemeClr val="tx1"/>
+                      </a:solidFill>
+                      <a:prstDash val="solid"/>
+                      <a:round/>
+                      <a:headEnd type="none" w="med" len="med"/>
+                      <a:tailEnd type="none" w="med" len="med"/>
+                    </a:lnT>
+                    <a:lnB w="12700" cap="flat" cmpd="sng" algn="ctr">
+                      <a:solidFill>
+                        <a:schemeClr val="tx1"/>
+                      </a:solidFill>
+                      <a:prstDash val="solid"/>
+                      <a:round/>
+                      <a:headEnd type="none" w="med" len="med"/>
+                      <a:tailEnd type="none" w="med" len="med"/>
+                    </a:lnB>
+                  </a:tcPr>
+                </a:tc>
+                <a:tc>
+                  <a:txBody>
+                    <a:bodyPr/>
+                    <a:lstStyle/>
+                    <a:p>
+                      <a:pPr algn="ctr" fontAlgn="ctr"/>
+                      <a:r>
+                        <a:rPr lang="en-IN" sz="2100" b="0">
+                          <a:effectLst/>
+                        </a:rPr>
+                        <a:t>truncate</a:t>
+                      </a:r>
+                    </a:p>
+                  </a:txBody>
+                  <a:tcPr marL="95250" marR="95250" marT="133350" marB="133350" anchor="ctr">
+                    <a:lnL w="12700" cap="flat" cmpd="sng" algn="ctr">
+                      <a:solidFill>
+                        <a:schemeClr val="tx1"/>
+                      </a:solidFill>
+                      <a:prstDash val="solid"/>
+                      <a:round/>
+                      <a:headEnd type="none" w="med" len="med"/>
+                      <a:tailEnd type="none" w="med" len="med"/>
+                    </a:lnL>
+                    <a:lnR w="12700" cap="flat" cmpd="sng" algn="ctr">
+                      <a:solidFill>
+                        <a:schemeClr val="tx1"/>
+                      </a:solidFill>
+                      <a:prstDash val="solid"/>
+                      <a:round/>
+                      <a:headEnd type="none" w="med" len="med"/>
+                      <a:tailEnd type="none" w="med" len="med"/>
+                    </a:lnR>
+                    <a:lnT w="12700" cap="flat" cmpd="sng" algn="ctr">
+                      <a:solidFill>
+                        <a:schemeClr val="tx1"/>
+                      </a:solidFill>
+                      <a:prstDash val="solid"/>
+                      <a:round/>
+                      <a:headEnd type="none" w="med" len="med"/>
+                      <a:tailEnd type="none" w="med" len="med"/>
+                    </a:lnT>
+                    <a:lnB w="12700" cap="flat" cmpd="sng" algn="ctr">
+                      <a:solidFill>
+                        <a:schemeClr val="tx1"/>
+                      </a:solidFill>
+                      <a:prstDash val="solid"/>
+                      <a:round/>
+                      <a:headEnd type="none" w="med" len="med"/>
+                      <a:tailEnd type="none" w="med" len="med"/>
+                    </a:lnB>
+                  </a:tcPr>
+                </a:tc>
+                <a:tc>
+                  <a:txBody>
+                    <a:bodyPr/>
+                    <a:lstStyle/>
+                    <a:p>
+                      <a:pPr algn="ctr" fontAlgn="ctr"/>
+                      <a:r>
+                        <a:rPr lang="en-US" sz="2100" b="0" dirty="0">
+                          <a:effectLst/>
+                        </a:rPr>
+                        <a:t>Any contents that existed in the file before it is open are discarded.</a:t>
+                      </a:r>
+                    </a:p>
+                  </a:txBody>
+                  <a:tcPr marL="95250" marR="95250" marT="133350" marB="133350" anchor="ctr">
+                    <a:lnL w="12700" cap="flat" cmpd="sng" algn="ctr">
+                      <a:solidFill>
+                        <a:schemeClr val="tx1"/>
+                      </a:solidFill>
+                      <a:prstDash val="solid"/>
+                      <a:round/>
+                      <a:headEnd type="none" w="med" len="med"/>
+                      <a:tailEnd type="none" w="med" len="med"/>
+                    </a:lnL>
+                    <a:lnR w="12700" cap="flat" cmpd="sng" algn="ctr">
+                      <a:solidFill>
+                        <a:schemeClr val="tx1"/>
+                      </a:solidFill>
+                      <a:prstDash val="solid"/>
+                      <a:round/>
+                      <a:headEnd type="none" w="med" len="med"/>
+                      <a:tailEnd type="none" w="med" len="med"/>
+                    </a:lnR>
+                    <a:lnT w="12700" cap="flat" cmpd="sng" algn="ctr">
+                      <a:solidFill>
+                        <a:schemeClr val="tx1"/>
+                      </a:solidFill>
+                      <a:prstDash val="solid"/>
+                      <a:round/>
+                      <a:headEnd type="none" w="med" len="med"/>
+                      <a:tailEnd type="none" w="med" len="med"/>
+                    </a:lnT>
+                    <a:lnB w="12700" cap="flat" cmpd="sng" algn="ctr">
+                      <a:solidFill>
+                        <a:schemeClr val="tx1"/>
+                      </a:solidFill>
+                      <a:prstDash val="solid"/>
+                      <a:round/>
+                      <a:headEnd type="none" w="med" len="med"/>
+                      <a:tailEnd type="none" w="med" len="med"/>
+                    </a:lnB>
+                  </a:tcPr>
+                </a:tc>
+                <a:extLst>
+                  <a:ext uri="{0D108BD9-81ED-4DB2-BD59-A6C34878D82A}">
+                    <a16:rowId xmlns:a16="http://schemas.microsoft.com/office/drawing/2014/main" val="3037917989"/>
+                  </a:ext>
+                </a:extLst>
+              </a:tr>
+            </a:tbl>
+          </a:graphicData>
+        </a:graphic>
+      </p:graphicFrame>
+    </p:spTree>
+    <p:extLst>
+      <p:ext uri="{BB962C8B-B14F-4D97-AF65-F5344CB8AC3E}">
+        <p14:creationId xmlns:p14="http://schemas.microsoft.com/office/powerpoint/2010/main" val="1010399940"/>
+      </p:ext>
+    </p:extLst>
+  </p:cSld>
+  <p:clrMapOvr>
+    <a:masterClrMapping/>
+  </p:clrMapOvr>
+</p:sld>
+</file>
+
+<file path=ppt/slides/slide43.xml><?xml version="1.0" encoding="utf-8"?>
+<p:sld xmlns:a="http://schemas.openxmlformats.org/drawingml/2006/main" xmlns:r="http://schemas.openxmlformats.org/officeDocument/2006/relationships" xmlns:p="http://schemas.openxmlformats.org/presentationml/2006/main">
+  <p:cSld>
+    <p:spTree>
+      <p:nvGrpSpPr>
+        <p:cNvPr id="1" name=""/>
+        <p:cNvGrpSpPr/>
+        <p:nvPr/>
+      </p:nvGrpSpPr>
+      <p:grpSpPr>
+        <a:xfrm>
+          <a:off x="0" y="0"/>
+          <a:ext cx="0" cy="0"/>
+          <a:chOff x="0" y="0"/>
+          <a:chExt cx="0" cy="0"/>
+        </a:xfrm>
+      </p:grpSpPr>
+      <p:sp>
+        <p:nvSpPr>
+          <p:cNvPr id="2" name="Title 1">
+            <a:extLst>
+              <a:ext uri="{FF2B5EF4-FFF2-40B4-BE49-F238E27FC236}">
+                <a16:creationId xmlns:a16="http://schemas.microsoft.com/office/drawing/2014/main" id="{3C6B3924-577C-4EA5-908D-F19396D1720F}"/>
+              </a:ext>
+            </a:extLst>
+          </p:cNvPr>
+          <p:cNvSpPr>
+            <a:spLocks noGrp="1"/>
+          </p:cNvSpPr>
+          <p:nvPr>
+            <p:ph type="title"/>
+          </p:nvPr>
+        </p:nvSpPr>
+        <p:spPr/>
+        <p:txBody>
+          <a:bodyPr/>
+          <a:lstStyle/>
+          <a:p>
+            <a:r>
+              <a:rPr lang="en-US" dirty="0" err="1"/>
+              <a:t>tellg</a:t>
+            </a:r>
+            <a:r>
+              <a:rPr lang="en-US" dirty="0"/>
+              <a:t> and </a:t>
+            </a:r>
+            <a:r>
+              <a:rPr lang="en-US" dirty="0" err="1"/>
+              <a:t>tellp</a:t>
+            </a:r>
+            <a:r>
+              <a:rPr lang="en-US" dirty="0"/>
+              <a:t>()</a:t>
+            </a:r>
+            <a:endParaRPr lang="en-IN" dirty="0"/>
+          </a:p>
+        </p:txBody>
+      </p:sp>
+      <p:graphicFrame>
+        <p:nvGraphicFramePr>
+          <p:cNvPr id="4" name="Table 4">
+            <a:extLst>
+              <a:ext uri="{FF2B5EF4-FFF2-40B4-BE49-F238E27FC236}">
+                <a16:creationId xmlns:a16="http://schemas.microsoft.com/office/drawing/2014/main" id="{A9616C90-25D0-44FC-B30A-0CE046E8791B}"/>
+              </a:ext>
+            </a:extLst>
+          </p:cNvPr>
+          <p:cNvGraphicFramePr>
+            <a:graphicFrameLocks noGrp="1"/>
+          </p:cNvGraphicFramePr>
+          <p:nvPr>
+            <p:ph idx="1"/>
+            <p:extLst>
+              <p:ext uri="{D42A27DB-BD31-4B8C-83A1-F6EECF244321}">
+                <p14:modId xmlns:p14="http://schemas.microsoft.com/office/powerpoint/2010/main" val="1152034479"/>
+              </p:ext>
+            </p:extLst>
+          </p:nvPr>
+        </p:nvGraphicFramePr>
+        <p:xfrm>
+          <a:off x="304800" y="1417638"/>
+          <a:ext cx="8229600" cy="4457700"/>
+        </p:xfrm>
+        <a:graphic>
+          <a:graphicData uri="http://schemas.openxmlformats.org/drawingml/2006/table">
+            <a:tbl>
+              <a:tblPr firstRow="1" bandRow="1">
+                <a:tableStyleId>{2D5ABB26-0587-4C30-8999-92F81FD0307C}</a:tableStyleId>
+              </a:tblPr>
+              <a:tblGrid>
+                <a:gridCol w="4114800">
+                  <a:extLst>
+                    <a:ext uri="{9D8B030D-6E8A-4147-A177-3AD203B41FA5}">
+                      <a16:colId xmlns:a16="http://schemas.microsoft.com/office/drawing/2014/main" val="98775686"/>
+                    </a:ext>
+                  </a:extLst>
+                </a:gridCol>
+                <a:gridCol w="4114800">
+                  <a:extLst>
+                    <a:ext uri="{9D8B030D-6E8A-4147-A177-3AD203B41FA5}">
+                      <a16:colId xmlns:a16="http://schemas.microsoft.com/office/drawing/2014/main" val="1276447505"/>
+                    </a:ext>
+                  </a:extLst>
+                </a:gridCol>
+              </a:tblGrid>
+              <a:tr h="500062">
+                <a:tc>
+                  <a:txBody>
+                    <a:bodyPr/>
+                    <a:lstStyle/>
+                    <a:p>
+                      <a:pPr algn="l" fontAlgn="base"/>
+                      <a:r>
+                        <a:rPr lang="en-IN" sz="2100" b="1" dirty="0" err="1">
+                          <a:effectLst/>
+                        </a:rPr>
+                        <a:t>tellp</a:t>
+                      </a:r>
+                      <a:r>
+                        <a:rPr lang="en-IN" sz="2100" b="1" dirty="0">
+                          <a:effectLst/>
+                        </a:rPr>
+                        <a:t>()</a:t>
+                      </a:r>
+                    </a:p>
+                  </a:txBody>
+                  <a:tcPr marL="38100" marR="38100" marT="95250" marB="95250" anchor="ctr">
+                    <a:lnL w="12700" cap="flat" cmpd="sng" algn="ctr">
+                      <a:solidFill>
+                        <a:schemeClr val="tx1"/>
+                      </a:solidFill>
+                      <a:prstDash val="solid"/>
+                      <a:round/>
+                      <a:headEnd type="none" w="med" len="med"/>
+                      <a:tailEnd type="none" w="med" len="med"/>
+                    </a:lnL>
+                    <a:lnR w="12700" cap="flat" cmpd="sng" algn="ctr">
+                      <a:solidFill>
+                        <a:schemeClr val="tx1"/>
+                      </a:solidFill>
+                      <a:prstDash val="solid"/>
+                      <a:round/>
+                      <a:headEnd type="none" w="med" len="med"/>
+                      <a:tailEnd type="none" w="med" len="med"/>
+                    </a:lnR>
+                    <a:lnT w="12700" cap="flat" cmpd="sng" algn="ctr">
+                      <a:solidFill>
+                        <a:schemeClr val="tx1"/>
+                      </a:solidFill>
+                      <a:prstDash val="solid"/>
+                      <a:round/>
+                      <a:headEnd type="none" w="med" len="med"/>
+                      <a:tailEnd type="none" w="med" len="med"/>
+                    </a:lnT>
+                    <a:lnB w="12700" cap="flat" cmpd="sng" algn="ctr">
+                      <a:solidFill>
+                        <a:schemeClr val="tx1"/>
+                      </a:solidFill>
+                      <a:prstDash val="solid"/>
+                      <a:round/>
+                      <a:headEnd type="none" w="med" len="med"/>
+                      <a:tailEnd type="none" w="med" len="med"/>
+                    </a:lnB>
+                  </a:tcPr>
+                </a:tc>
+                <a:tc>
+                  <a:txBody>
+                    <a:bodyPr/>
+                    <a:lstStyle/>
+                    <a:p>
+                      <a:pPr algn="l" fontAlgn="base"/>
+                      <a:r>
+                        <a:rPr lang="en-IN" sz="2100" b="1">
+                          <a:effectLst/>
+                        </a:rPr>
+                        <a:t>tellg()</a:t>
+                      </a:r>
+                    </a:p>
+                  </a:txBody>
+                  <a:tcPr marL="95250" marR="95250" marT="95250" marB="95250" anchor="ctr">
+                    <a:lnL w="12700" cap="flat" cmpd="sng" algn="ctr">
+                      <a:solidFill>
+                        <a:schemeClr val="tx1"/>
+                      </a:solidFill>
+                      <a:prstDash val="solid"/>
+                      <a:round/>
+                      <a:headEnd type="none" w="med" len="med"/>
+                      <a:tailEnd type="none" w="med" len="med"/>
+                    </a:lnL>
+                    <a:lnR w="12700" cap="flat" cmpd="sng" algn="ctr">
+                      <a:solidFill>
+                        <a:schemeClr val="tx1"/>
+                      </a:solidFill>
+                      <a:prstDash val="solid"/>
+                      <a:round/>
+                      <a:headEnd type="none" w="med" len="med"/>
+                      <a:tailEnd type="none" w="med" len="med"/>
+                    </a:lnR>
+                    <a:lnT w="12700" cap="flat" cmpd="sng" algn="ctr">
+                      <a:solidFill>
+                        <a:schemeClr val="tx1"/>
+                      </a:solidFill>
+                      <a:prstDash val="solid"/>
+                      <a:round/>
+                      <a:headEnd type="none" w="med" len="med"/>
+                      <a:tailEnd type="none" w="med" len="med"/>
+                    </a:lnT>
+                    <a:lnB w="12700" cap="flat" cmpd="sng" algn="ctr">
+                      <a:solidFill>
+                        <a:schemeClr val="tx1"/>
+                      </a:solidFill>
+                      <a:prstDash val="solid"/>
+                      <a:round/>
+                      <a:headEnd type="none" w="med" len="med"/>
+                      <a:tailEnd type="none" w="med" len="med"/>
+                    </a:lnB>
+                  </a:tcPr>
+                </a:tc>
+                <a:extLst>
+                  <a:ext uri="{0D108BD9-81ED-4DB2-BD59-A6C34878D82A}">
+                    <a16:rowId xmlns:a16="http://schemas.microsoft.com/office/drawing/2014/main" val="2070003623"/>
+                  </a:ext>
+                </a:extLst>
+              </a:tr>
+              <a:tr h="370840">
+                <a:tc>
+                  <a:txBody>
+                    <a:bodyPr/>
+                    <a:lstStyle/>
+                    <a:p>
+                      <a:pPr algn="ctr" fontAlgn="ctr"/>
+                      <a:r>
+                        <a:rPr lang="en-US" sz="2100" b="0" dirty="0">
+                          <a:effectLst/>
+                        </a:rPr>
+                        <a:t>It is used with output streams and returns the current “put” position of the pointer in the stream.</a:t>
+                      </a:r>
+                    </a:p>
+                  </a:txBody>
+                  <a:tcPr marL="95250" marR="95250" marT="133350" marB="133350" anchor="ctr">
+                    <a:lnL w="12700" cap="flat" cmpd="sng" algn="ctr">
+                      <a:solidFill>
+                        <a:schemeClr val="tx1"/>
+                      </a:solidFill>
+                      <a:prstDash val="solid"/>
+                      <a:round/>
+                      <a:headEnd type="none" w="med" len="med"/>
+                      <a:tailEnd type="none" w="med" len="med"/>
+                    </a:lnL>
+                    <a:lnR w="12700" cap="flat" cmpd="sng" algn="ctr">
+                      <a:solidFill>
+                        <a:schemeClr val="tx1"/>
+                      </a:solidFill>
+                      <a:prstDash val="solid"/>
+                      <a:round/>
+                      <a:headEnd type="none" w="med" len="med"/>
+                      <a:tailEnd type="none" w="med" len="med"/>
+                    </a:lnR>
+                    <a:lnT w="12700" cap="flat" cmpd="sng" algn="ctr">
+                      <a:solidFill>
+                        <a:schemeClr val="tx1"/>
+                      </a:solidFill>
+                      <a:prstDash val="solid"/>
+                      <a:round/>
+                      <a:headEnd type="none" w="med" len="med"/>
+                      <a:tailEnd type="none" w="med" len="med"/>
+                    </a:lnT>
+                    <a:lnB w="12700" cap="flat" cmpd="sng" algn="ctr">
+                      <a:solidFill>
+                        <a:schemeClr val="tx1"/>
+                      </a:solidFill>
+                      <a:prstDash val="solid"/>
+                      <a:round/>
+                      <a:headEnd type="none" w="med" len="med"/>
+                      <a:tailEnd type="none" w="med" len="med"/>
+                    </a:lnB>
+                  </a:tcPr>
+                </a:tc>
+                <a:tc>
+                  <a:txBody>
+                    <a:bodyPr/>
+                    <a:lstStyle/>
+                    <a:p>
+                      <a:pPr algn="ctr" fontAlgn="ctr"/>
+                      <a:r>
+                        <a:rPr lang="en-US" sz="2100" b="0" dirty="0">
+                          <a:effectLst/>
+                        </a:rPr>
+                        <a:t>This is used with input streams and returns the current “get” position of the pointer in the stream.</a:t>
+                      </a:r>
+                    </a:p>
+                  </a:txBody>
+                  <a:tcPr marL="95250" marR="95250" marT="133350" marB="133350" anchor="ctr">
+                    <a:lnL w="12700" cap="flat" cmpd="sng" algn="ctr">
+                      <a:solidFill>
+                        <a:schemeClr val="tx1"/>
+                      </a:solidFill>
+                      <a:prstDash val="solid"/>
+                      <a:round/>
+                      <a:headEnd type="none" w="med" len="med"/>
+                      <a:tailEnd type="none" w="med" len="med"/>
+                    </a:lnL>
+                    <a:lnR w="12700" cap="flat" cmpd="sng" algn="ctr">
+                      <a:solidFill>
+                        <a:schemeClr val="tx1"/>
+                      </a:solidFill>
+                      <a:prstDash val="solid"/>
+                      <a:round/>
+                      <a:headEnd type="none" w="med" len="med"/>
+                      <a:tailEnd type="none" w="med" len="med"/>
+                    </a:lnR>
+                    <a:lnT w="12700" cap="flat" cmpd="sng" algn="ctr">
+                      <a:solidFill>
+                        <a:schemeClr val="tx1"/>
+                      </a:solidFill>
+                      <a:prstDash val="solid"/>
+                      <a:round/>
+                      <a:headEnd type="none" w="med" len="med"/>
+                      <a:tailEnd type="none" w="med" len="med"/>
+                    </a:lnT>
+                    <a:lnB w="12700" cap="flat" cmpd="sng" algn="ctr">
+                      <a:solidFill>
+                        <a:schemeClr val="tx1"/>
+                      </a:solidFill>
+                      <a:prstDash val="solid"/>
+                      <a:round/>
+                      <a:headEnd type="none" w="med" len="med"/>
+                      <a:tailEnd type="none" w="med" len="med"/>
+                    </a:lnB>
+                  </a:tcPr>
+                </a:tc>
+                <a:extLst>
+                  <a:ext uri="{0D108BD9-81ED-4DB2-BD59-A6C34878D82A}">
+                    <a16:rowId xmlns:a16="http://schemas.microsoft.com/office/drawing/2014/main" val="667275645"/>
+                  </a:ext>
+                </a:extLst>
+              </a:tr>
+              <a:tr h="370840">
+                <a:tc>
+                  <a:txBody>
+                    <a:bodyPr/>
+                    <a:lstStyle/>
+                    <a:p>
+                      <a:pPr algn="ctr" fontAlgn="ctr"/>
+                      <a:r>
+                        <a:rPr lang="en-IN" sz="2100" b="1" dirty="0">
+                          <a:effectLst/>
+                        </a:rPr>
+                        <a:t>Syntax:</a:t>
+                      </a:r>
+                      <a:r>
+                        <a:rPr lang="en-IN" sz="2100" b="0" dirty="0">
+                          <a:effectLst/>
+                        </a:rPr>
+                        <a:t> </a:t>
+                      </a:r>
+                      <a:r>
+                        <a:rPr lang="en-IN" sz="2100" b="0" dirty="0" err="1">
+                          <a:effectLst/>
+                        </a:rPr>
+                        <a:t>pos_type</a:t>
+                      </a:r>
+                      <a:r>
+                        <a:rPr lang="en-IN" sz="2100" b="0" dirty="0">
+                          <a:effectLst/>
+                        </a:rPr>
+                        <a:t> </a:t>
+                      </a:r>
+                      <a:r>
+                        <a:rPr lang="en-IN" sz="2100" b="0" dirty="0" err="1">
+                          <a:effectLst/>
+                        </a:rPr>
+                        <a:t>tellp</a:t>
+                      </a:r>
+                      <a:r>
+                        <a:rPr lang="en-IN" sz="2100" b="0" dirty="0">
+                          <a:effectLst/>
+                        </a:rPr>
+                        <a:t>();</a:t>
+                      </a:r>
+                    </a:p>
+                  </a:txBody>
+                  <a:tcPr marL="95250" marR="95250" marT="133350" marB="133350" anchor="ctr">
+                    <a:lnL w="12700" cap="flat" cmpd="sng" algn="ctr">
+                      <a:solidFill>
+                        <a:schemeClr val="tx1"/>
+                      </a:solidFill>
+                      <a:prstDash val="solid"/>
+                      <a:round/>
+                      <a:headEnd type="none" w="med" len="med"/>
+                      <a:tailEnd type="none" w="med" len="med"/>
+                    </a:lnL>
+                    <a:lnR w="12700" cap="flat" cmpd="sng" algn="ctr">
+                      <a:solidFill>
+                        <a:schemeClr val="tx1"/>
+                      </a:solidFill>
+                      <a:prstDash val="solid"/>
+                      <a:round/>
+                      <a:headEnd type="none" w="med" len="med"/>
+                      <a:tailEnd type="none" w="med" len="med"/>
+                    </a:lnR>
+                    <a:lnT w="12700" cap="flat" cmpd="sng" algn="ctr">
+                      <a:solidFill>
+                        <a:schemeClr val="tx1"/>
+                      </a:solidFill>
+                      <a:prstDash val="solid"/>
+                      <a:round/>
+                      <a:headEnd type="none" w="med" len="med"/>
+                      <a:tailEnd type="none" w="med" len="med"/>
+                    </a:lnT>
+                    <a:lnB w="12700" cap="flat" cmpd="sng" algn="ctr">
+                      <a:solidFill>
+                        <a:schemeClr val="tx1"/>
+                      </a:solidFill>
+                      <a:prstDash val="solid"/>
+                      <a:round/>
+                      <a:headEnd type="none" w="med" len="med"/>
+                      <a:tailEnd type="none" w="med" len="med"/>
+                    </a:lnB>
+                  </a:tcPr>
+                </a:tc>
+                <a:tc>
+                  <a:txBody>
+                    <a:bodyPr/>
+                    <a:lstStyle/>
+                    <a:p>
+                      <a:pPr algn="ctr" fontAlgn="ctr"/>
+                      <a:r>
+                        <a:rPr lang="en-IN" sz="2100" b="1" dirty="0">
+                          <a:effectLst/>
+                        </a:rPr>
+                        <a:t>Syntax:</a:t>
+                      </a:r>
+                      <a:r>
+                        <a:rPr lang="en-IN" sz="2100" b="0" dirty="0">
+                          <a:effectLst/>
+                        </a:rPr>
+                        <a:t> </a:t>
+                      </a:r>
+                      <a:r>
+                        <a:rPr lang="en-IN" sz="2100" b="0" dirty="0" err="1">
+                          <a:effectLst/>
+                        </a:rPr>
+                        <a:t>pos_type</a:t>
+                      </a:r>
+                      <a:r>
+                        <a:rPr lang="en-IN" sz="2100" b="0" dirty="0">
+                          <a:effectLst/>
+                        </a:rPr>
+                        <a:t> </a:t>
+                      </a:r>
+                      <a:r>
+                        <a:rPr lang="en-IN" sz="2100" b="0" dirty="0" err="1">
+                          <a:effectLst/>
+                        </a:rPr>
+                        <a:t>tellg</a:t>
+                      </a:r>
+                      <a:r>
+                        <a:rPr lang="en-IN" sz="2100" b="0" dirty="0">
+                          <a:effectLst/>
+                        </a:rPr>
+                        <a:t>();</a:t>
+                      </a:r>
+                    </a:p>
+                  </a:txBody>
+                  <a:tcPr marL="95250" marR="95250" marT="133350" marB="133350" anchor="ctr">
+                    <a:lnL w="12700" cap="flat" cmpd="sng" algn="ctr">
+                      <a:solidFill>
+                        <a:schemeClr val="tx1"/>
+                      </a:solidFill>
+                      <a:prstDash val="solid"/>
+                      <a:round/>
+                      <a:headEnd type="none" w="med" len="med"/>
+                      <a:tailEnd type="none" w="med" len="med"/>
+                    </a:lnL>
+                    <a:lnR w="12700" cap="flat" cmpd="sng" algn="ctr">
+                      <a:solidFill>
+                        <a:schemeClr val="tx1"/>
+                      </a:solidFill>
+                      <a:prstDash val="solid"/>
+                      <a:round/>
+                      <a:headEnd type="none" w="med" len="med"/>
+                      <a:tailEnd type="none" w="med" len="med"/>
+                    </a:lnR>
+                    <a:lnT w="12700" cap="flat" cmpd="sng" algn="ctr">
+                      <a:solidFill>
+                        <a:schemeClr val="tx1"/>
+                      </a:solidFill>
+                      <a:prstDash val="solid"/>
+                      <a:round/>
+                      <a:headEnd type="none" w="med" len="med"/>
+                      <a:tailEnd type="none" w="med" len="med"/>
+                    </a:lnT>
+                    <a:lnB w="12700" cap="flat" cmpd="sng" algn="ctr">
+                      <a:solidFill>
+                        <a:schemeClr val="tx1"/>
+                      </a:solidFill>
+                      <a:prstDash val="solid"/>
+                      <a:round/>
+                      <a:headEnd type="none" w="med" len="med"/>
+                      <a:tailEnd type="none" w="med" len="med"/>
+                    </a:lnB>
+                  </a:tcPr>
+                </a:tc>
+                <a:extLst>
+                  <a:ext uri="{0D108BD9-81ED-4DB2-BD59-A6C34878D82A}">
+                    <a16:rowId xmlns:a16="http://schemas.microsoft.com/office/drawing/2014/main" val="681453642"/>
+                  </a:ext>
+                </a:extLst>
+              </a:tr>
+              <a:tr h="370840">
+                <a:tc>
+                  <a:txBody>
+                    <a:bodyPr/>
+                    <a:lstStyle/>
+                    <a:p>
+                      <a:pPr algn="ctr" fontAlgn="ctr"/>
+                      <a:r>
+                        <a:rPr lang="en-US" sz="2100" b="0" dirty="0">
+                          <a:effectLst/>
+                        </a:rPr>
+                        <a:t>It returns the position of the current character in the output stream.</a:t>
+                      </a:r>
+                    </a:p>
+                  </a:txBody>
+                  <a:tcPr marL="95250" marR="95250" marT="133350" marB="133350" anchor="ctr">
+                    <a:lnL w="12700" cap="flat" cmpd="sng" algn="ctr">
+                      <a:solidFill>
+                        <a:schemeClr val="tx1"/>
+                      </a:solidFill>
+                      <a:prstDash val="solid"/>
+                      <a:round/>
+                      <a:headEnd type="none" w="med" len="med"/>
+                      <a:tailEnd type="none" w="med" len="med"/>
+                    </a:lnL>
+                    <a:lnR w="12700" cap="flat" cmpd="sng" algn="ctr">
+                      <a:solidFill>
+                        <a:schemeClr val="tx1"/>
+                      </a:solidFill>
+                      <a:prstDash val="solid"/>
+                      <a:round/>
+                      <a:headEnd type="none" w="med" len="med"/>
+                      <a:tailEnd type="none" w="med" len="med"/>
+                    </a:lnR>
+                    <a:lnT w="12700" cap="flat" cmpd="sng" algn="ctr">
+                      <a:solidFill>
+                        <a:schemeClr val="tx1"/>
+                      </a:solidFill>
+                      <a:prstDash val="solid"/>
+                      <a:round/>
+                      <a:headEnd type="none" w="med" len="med"/>
+                      <a:tailEnd type="none" w="med" len="med"/>
+                    </a:lnT>
+                    <a:lnB w="12700" cap="flat" cmpd="sng" algn="ctr">
+                      <a:solidFill>
+                        <a:schemeClr val="tx1"/>
+                      </a:solidFill>
+                      <a:prstDash val="solid"/>
+                      <a:round/>
+                      <a:headEnd type="none" w="med" len="med"/>
+                      <a:tailEnd type="none" w="med" len="med"/>
+                    </a:lnB>
+                  </a:tcPr>
+                </a:tc>
+                <a:tc>
+                  <a:txBody>
+                    <a:bodyPr/>
+                    <a:lstStyle/>
+                    <a:p>
+                      <a:pPr algn="ctr" fontAlgn="ctr"/>
+                      <a:r>
+                        <a:rPr lang="en-US" sz="2100" b="0" dirty="0">
+                          <a:effectLst/>
+                        </a:rPr>
+                        <a:t>It returns the position of the current character in the input stream.</a:t>
+                      </a:r>
+                    </a:p>
+                  </a:txBody>
+                  <a:tcPr marL="95250" marR="95250" marT="133350" marB="133350" anchor="ctr">
+                    <a:lnL w="12700" cap="flat" cmpd="sng" algn="ctr">
+                      <a:solidFill>
+                        <a:schemeClr val="tx1"/>
+                      </a:solidFill>
+                      <a:prstDash val="solid"/>
+                      <a:round/>
+                      <a:headEnd type="none" w="med" len="med"/>
+                      <a:tailEnd type="none" w="med" len="med"/>
+                    </a:lnL>
+                    <a:lnR w="12700" cap="flat" cmpd="sng" algn="ctr">
+                      <a:solidFill>
+                        <a:schemeClr val="tx1"/>
+                      </a:solidFill>
+                      <a:prstDash val="solid"/>
+                      <a:round/>
+                      <a:headEnd type="none" w="med" len="med"/>
+                      <a:tailEnd type="none" w="med" len="med"/>
+                    </a:lnR>
+                    <a:lnT w="12700" cap="flat" cmpd="sng" algn="ctr">
+                      <a:solidFill>
+                        <a:schemeClr val="tx1"/>
+                      </a:solidFill>
+                      <a:prstDash val="solid"/>
+                      <a:round/>
+                      <a:headEnd type="none" w="med" len="med"/>
+                      <a:tailEnd type="none" w="med" len="med"/>
+                    </a:lnT>
+                    <a:lnB w="12700" cap="flat" cmpd="sng" algn="ctr">
+                      <a:solidFill>
+                        <a:schemeClr val="tx1"/>
+                      </a:solidFill>
+                      <a:prstDash val="solid"/>
+                      <a:round/>
+                      <a:headEnd type="none" w="med" len="med"/>
+                      <a:tailEnd type="none" w="med" len="med"/>
+                    </a:lnB>
+                  </a:tcPr>
+                </a:tc>
+                <a:extLst>
+                  <a:ext uri="{0D108BD9-81ED-4DB2-BD59-A6C34878D82A}">
+                    <a16:rowId xmlns:a16="http://schemas.microsoft.com/office/drawing/2014/main" val="3170141116"/>
+                  </a:ext>
+                </a:extLst>
+              </a:tr>
+              <a:tr h="370840">
+                <a:tc>
+                  <a:txBody>
+                    <a:bodyPr/>
+                    <a:lstStyle/>
+                    <a:p>
+                      <a:pPr algn="ctr" fontAlgn="ctr"/>
+                      <a:r>
+                        <a:rPr lang="en-US" sz="2100" b="0" dirty="0" err="1">
+                          <a:effectLst/>
+                        </a:rPr>
+                        <a:t>tellp</a:t>
+                      </a:r>
+                      <a:r>
+                        <a:rPr lang="en-US" sz="2100" b="0" dirty="0">
+                          <a:effectLst/>
+                        </a:rPr>
+                        <a:t>() gives the position of the put pointer.</a:t>
+                      </a:r>
+                    </a:p>
+                  </a:txBody>
+                  <a:tcPr marL="95250" marR="95250" marT="133350" marB="133350" anchor="ctr">
+                    <a:lnL w="12700" cap="flat" cmpd="sng" algn="ctr">
+                      <a:solidFill>
+                        <a:schemeClr val="tx1"/>
+                      </a:solidFill>
+                      <a:prstDash val="solid"/>
+                      <a:round/>
+                      <a:headEnd type="none" w="med" len="med"/>
+                      <a:tailEnd type="none" w="med" len="med"/>
+                    </a:lnL>
+                    <a:lnR w="12700" cap="flat" cmpd="sng" algn="ctr">
+                      <a:solidFill>
+                        <a:schemeClr val="tx1"/>
+                      </a:solidFill>
+                      <a:prstDash val="solid"/>
+                      <a:round/>
+                      <a:headEnd type="none" w="med" len="med"/>
+                      <a:tailEnd type="none" w="med" len="med"/>
+                    </a:lnR>
+                    <a:lnT w="12700" cap="flat" cmpd="sng" algn="ctr">
+                      <a:solidFill>
+                        <a:schemeClr val="tx1"/>
+                      </a:solidFill>
+                      <a:prstDash val="solid"/>
+                      <a:round/>
+                      <a:headEnd type="none" w="med" len="med"/>
+                      <a:tailEnd type="none" w="med" len="med"/>
+                    </a:lnT>
+                    <a:lnB w="12700" cap="flat" cmpd="sng" algn="ctr">
+                      <a:solidFill>
+                        <a:schemeClr val="tx1"/>
+                      </a:solidFill>
+                      <a:prstDash val="solid"/>
+                      <a:round/>
+                      <a:headEnd type="none" w="med" len="med"/>
+                      <a:tailEnd type="none" w="med" len="med"/>
+                    </a:lnB>
+                  </a:tcPr>
+                </a:tc>
+                <a:tc>
+                  <a:txBody>
+                    <a:bodyPr/>
+                    <a:lstStyle/>
+                    <a:p>
+                      <a:pPr algn="ctr" fontAlgn="ctr"/>
+                      <a:r>
+                        <a:rPr lang="en-US" sz="2100" b="0" dirty="0" err="1">
+                          <a:effectLst/>
+                        </a:rPr>
+                        <a:t>tellg</a:t>
+                      </a:r>
+                      <a:r>
+                        <a:rPr lang="en-US" sz="2100" b="0" dirty="0">
+                          <a:effectLst/>
+                        </a:rPr>
+                        <a:t>() gives the position of the get pointer.</a:t>
+                      </a:r>
+                    </a:p>
+                  </a:txBody>
+                  <a:tcPr marL="95250" marR="95250" marT="133350" marB="133350" anchor="ctr">
+                    <a:lnL w="12700" cap="flat" cmpd="sng" algn="ctr">
+                      <a:solidFill>
+                        <a:schemeClr val="tx1"/>
+                      </a:solidFill>
+                      <a:prstDash val="solid"/>
+                      <a:round/>
+                      <a:headEnd type="none" w="med" len="med"/>
+                      <a:tailEnd type="none" w="med" len="med"/>
+                    </a:lnL>
+                    <a:lnR w="12700" cap="flat" cmpd="sng" algn="ctr">
+                      <a:solidFill>
+                        <a:schemeClr val="tx1"/>
+                      </a:solidFill>
+                      <a:prstDash val="solid"/>
+                      <a:round/>
+                      <a:headEnd type="none" w="med" len="med"/>
+                      <a:tailEnd type="none" w="med" len="med"/>
+                    </a:lnR>
+                    <a:lnT w="12700" cap="flat" cmpd="sng" algn="ctr">
+                      <a:solidFill>
+                        <a:schemeClr val="tx1"/>
+                      </a:solidFill>
+                      <a:prstDash val="solid"/>
+                      <a:round/>
+                      <a:headEnd type="none" w="med" len="med"/>
+                      <a:tailEnd type="none" w="med" len="med"/>
+                    </a:lnT>
+                    <a:lnB w="12700" cap="flat" cmpd="sng" algn="ctr">
+                      <a:solidFill>
+                        <a:schemeClr val="tx1"/>
+                      </a:solidFill>
+                      <a:prstDash val="solid"/>
+                      <a:round/>
+                      <a:headEnd type="none" w="med" len="med"/>
+                      <a:tailEnd type="none" w="med" len="med"/>
+                    </a:lnB>
+                  </a:tcPr>
+                </a:tc>
+                <a:extLst>
+                  <a:ext uri="{0D108BD9-81ED-4DB2-BD59-A6C34878D82A}">
+                    <a16:rowId xmlns:a16="http://schemas.microsoft.com/office/drawing/2014/main" val="3690629668"/>
+                  </a:ext>
+                </a:extLst>
+              </a:tr>
+            </a:tbl>
+          </a:graphicData>
+        </a:graphic>
+      </p:graphicFrame>
+    </p:spTree>
+    <p:extLst>
+      <p:ext uri="{BB962C8B-B14F-4D97-AF65-F5344CB8AC3E}">
+        <p14:creationId xmlns:p14="http://schemas.microsoft.com/office/powerpoint/2010/main" val="1811384312"/>
+      </p:ext>
+    </p:extLst>
+  </p:cSld>
+  <p:clrMapOvr>
+    <a:masterClrMapping/>
+  </p:clrMapOvr>
+</p:sld>
+</file>
+
+<file path=ppt/slides/slide44.xml><?xml version="1.0" encoding="utf-8"?>
+<p:sld xmlns:a="http://schemas.openxmlformats.org/drawingml/2006/main" xmlns:r="http://schemas.openxmlformats.org/officeDocument/2006/relationships" xmlns:p="http://schemas.openxmlformats.org/presentationml/2006/main">
+  <p:cSld>
+    <p:spTree>
+      <p:nvGrpSpPr>
+        <p:cNvPr id="1" name=""/>
+        <p:cNvGrpSpPr/>
+        <p:nvPr/>
+      </p:nvGrpSpPr>
+      <p:grpSpPr>
+        <a:xfrm>
+          <a:off x="0" y="0"/>
+          <a:ext cx="0" cy="0"/>
+          <a:chOff x="0" y="0"/>
+          <a:chExt cx="0" cy="0"/>
+        </a:xfrm>
+      </p:grpSpPr>
+      <p:sp>
+        <p:nvSpPr>
+          <p:cNvPr id="2" name="Title 1">
+            <a:extLst>
+              <a:ext uri="{FF2B5EF4-FFF2-40B4-BE49-F238E27FC236}">
+                <a16:creationId xmlns:a16="http://schemas.microsoft.com/office/drawing/2014/main" id="{22A93F4E-BBB6-4573-A9E0-74A358EC8262}"/>
+              </a:ext>
+            </a:extLst>
+          </p:cNvPr>
+          <p:cNvSpPr>
+            <a:spLocks noGrp="1"/>
+          </p:cNvSpPr>
+          <p:nvPr>
+            <p:ph type="title"/>
+          </p:nvPr>
+        </p:nvSpPr>
+        <p:spPr/>
+        <p:txBody>
+          <a:bodyPr/>
+          <a:lstStyle/>
+          <a:p>
+            <a:r>
+              <a:rPr lang="en-US" dirty="0"/>
+              <a:t>Templates</a:t>
+            </a:r>
+            <a:endParaRPr lang="en-IN" dirty="0"/>
+          </a:p>
+        </p:txBody>
+      </p:sp>
+      <p:sp>
+        <p:nvSpPr>
+          <p:cNvPr id="3" name="Content Placeholder 2">
+            <a:extLst>
+              <a:ext uri="{FF2B5EF4-FFF2-40B4-BE49-F238E27FC236}">
+                <a16:creationId xmlns:a16="http://schemas.microsoft.com/office/drawing/2014/main" id="{8B701900-C883-4BEA-8C14-60C41E32D8D9}"/>
+              </a:ext>
+            </a:extLst>
+          </p:cNvPr>
+          <p:cNvSpPr>
+            <a:spLocks noGrp="1"/>
+          </p:cNvSpPr>
+          <p:nvPr>
+            <p:ph idx="1"/>
+          </p:nvPr>
+        </p:nvSpPr>
+        <p:spPr/>
+        <p:txBody>
+          <a:bodyPr>
+            <a:normAutofit/>
+          </a:bodyPr>
+          <a:lstStyle/>
+          <a:p>
+            <a:r>
+              <a:rPr lang="en-US" sz="2200" dirty="0">
+                <a:solidFill>
+                  <a:srgbClr val="273239"/>
+                </a:solidFill>
+                <a:latin typeface="Nunito" pitchFamily="2" charset="0"/>
+              </a:rPr>
+              <a:t>It </a:t>
+            </a:r>
+            <a:r>
+              <a:rPr lang="en-US" sz="2200" b="0" i="0" dirty="0">
+                <a:solidFill>
+                  <a:srgbClr val="273239"/>
+                </a:solidFill>
+                <a:effectLst/>
+                <a:latin typeface="Nunito" pitchFamily="2" charset="0"/>
+              </a:rPr>
+              <a:t>is a simple yet very powerful tool in C++. The simple idea is to pass the data type as a parameter so that we don’t need to write the same code for different data types.</a:t>
+            </a:r>
+          </a:p>
+          <a:p>
+            <a:r>
+              <a:rPr lang="en-US" sz="2200" dirty="0">
+                <a:solidFill>
+                  <a:srgbClr val="273239"/>
+                </a:solidFill>
+                <a:latin typeface="Nunito" pitchFamily="2" charset="0"/>
+              </a:rPr>
+              <a:t>2 new keywords added :- templates and type name</a:t>
+            </a:r>
+          </a:p>
+          <a:p>
+            <a:pPr lvl="1"/>
+            <a:r>
+              <a:rPr lang="en-US" sz="1800" dirty="0">
+                <a:solidFill>
+                  <a:srgbClr val="273239"/>
+                </a:solidFill>
+                <a:latin typeface="Nunito" pitchFamily="2" charset="0"/>
+              </a:rPr>
+              <a:t>Type name could be replaced by class keyword</a:t>
+            </a:r>
+            <a:endParaRPr lang="en-IN" sz="1800" dirty="0"/>
+          </a:p>
+        </p:txBody>
+      </p:sp>
+    </p:spTree>
+    <p:extLst>
+      <p:ext uri="{BB962C8B-B14F-4D97-AF65-F5344CB8AC3E}">
+        <p14:creationId xmlns:p14="http://schemas.microsoft.com/office/powerpoint/2010/main" val="1570942454"/>
+      </p:ext>
+    </p:extLst>
+  </p:cSld>
+  <p:clrMapOvr>
+    <a:masterClrMapping/>
+  </p:clrMapOvr>
+</p:sld>
+</file>
+
+<file path=ppt/slides/slide45.xml><?xml version="1.0" encoding="utf-8"?>
+<p:sld xmlns:a="http://schemas.openxmlformats.org/drawingml/2006/main" xmlns:r="http://schemas.openxmlformats.org/officeDocument/2006/relationships" xmlns:p="http://schemas.openxmlformats.org/presentationml/2006/main">
+  <p:cSld>
+    <p:spTree>
+      <p:nvGrpSpPr>
+        <p:cNvPr id="1" name=""/>
+        <p:cNvGrpSpPr/>
+        <p:nvPr/>
+      </p:nvGrpSpPr>
+      <p:grpSpPr>
+        <a:xfrm>
+          <a:off x="0" y="0"/>
+          <a:ext cx="0" cy="0"/>
+          <a:chOff x="0" y="0"/>
+          <a:chExt cx="0" cy="0"/>
+        </a:xfrm>
+      </p:grpSpPr>
+      <p:sp>
+        <p:nvSpPr>
+          <p:cNvPr id="2" name="Title 1">
+            <a:extLst>
+              <a:ext uri="{FF2B5EF4-FFF2-40B4-BE49-F238E27FC236}">
+                <a16:creationId xmlns:a16="http://schemas.microsoft.com/office/drawing/2014/main" id="{62240BEF-96AD-456F-A501-C88256F25704}"/>
+              </a:ext>
+            </a:extLst>
+          </p:cNvPr>
+          <p:cNvSpPr>
+            <a:spLocks noGrp="1"/>
+          </p:cNvSpPr>
+          <p:nvPr>
+            <p:ph type="title"/>
+          </p:nvPr>
+        </p:nvSpPr>
+        <p:spPr/>
+        <p:txBody>
+          <a:bodyPr/>
+          <a:lstStyle/>
+          <a:p>
+            <a:r>
+              <a:rPr lang="en-US" dirty="0"/>
+              <a:t>How Templates works??</a:t>
+            </a:r>
+            <a:endParaRPr lang="en-IN" dirty="0"/>
+          </a:p>
+        </p:txBody>
+      </p:sp>
+      <p:sp>
+        <p:nvSpPr>
+          <p:cNvPr id="3" name="Content Placeholder 2">
+            <a:extLst>
+              <a:ext uri="{FF2B5EF4-FFF2-40B4-BE49-F238E27FC236}">
+                <a16:creationId xmlns:a16="http://schemas.microsoft.com/office/drawing/2014/main" id="{7097FF10-B726-4E5E-A6CE-DB7187FC7AA7}"/>
+              </a:ext>
+            </a:extLst>
+          </p:cNvPr>
+          <p:cNvSpPr>
+            <a:spLocks noGrp="1"/>
+          </p:cNvSpPr>
+          <p:nvPr>
+            <p:ph idx="1"/>
+          </p:nvPr>
+        </p:nvSpPr>
+        <p:spPr/>
+        <p:txBody>
+          <a:bodyPr>
+            <a:normAutofit/>
+          </a:bodyPr>
+          <a:lstStyle/>
+          <a:p>
+            <a:r>
+              <a:rPr lang="en-US" sz="2100" b="0" i="0" dirty="0">
+                <a:solidFill>
+                  <a:srgbClr val="273239"/>
+                </a:solidFill>
+                <a:effectLst/>
+                <a:latin typeface="Nunito" pitchFamily="2" charset="0"/>
+              </a:rPr>
+              <a:t>Templates are expanded at compiler time.</a:t>
+            </a:r>
+          </a:p>
+          <a:p>
+            <a:r>
+              <a:rPr lang="en-US" sz="2100" b="0" i="0" dirty="0">
+                <a:solidFill>
+                  <a:srgbClr val="273239"/>
+                </a:solidFill>
+                <a:effectLst/>
+                <a:latin typeface="Nunito" pitchFamily="2" charset="0"/>
+              </a:rPr>
+              <a:t>Source code contains only function/class, but compiled code may contain </a:t>
+            </a:r>
+            <a:r>
+              <a:rPr lang="en-US" sz="2100" b="0" i="0" dirty="0">
+                <a:solidFill>
+                  <a:srgbClr val="273239"/>
+                </a:solidFill>
+                <a:effectLst/>
+                <a:highlight>
+                  <a:srgbClr val="FFFF00"/>
+                </a:highlight>
+                <a:latin typeface="Nunito" pitchFamily="2" charset="0"/>
+              </a:rPr>
+              <a:t>multiple copies</a:t>
+            </a:r>
+            <a:r>
+              <a:rPr lang="en-US" sz="2100" b="0" i="0" dirty="0">
+                <a:solidFill>
+                  <a:srgbClr val="273239"/>
+                </a:solidFill>
+                <a:effectLst/>
+                <a:latin typeface="Nunito" pitchFamily="2" charset="0"/>
+              </a:rPr>
+              <a:t> of the same function/class (for </a:t>
+            </a:r>
+            <a:r>
+              <a:rPr lang="en-US" sz="2100" b="0" i="0" dirty="0">
+                <a:solidFill>
+                  <a:srgbClr val="273239"/>
+                </a:solidFill>
+                <a:effectLst/>
+                <a:highlight>
+                  <a:srgbClr val="FFFF00"/>
+                </a:highlight>
+                <a:latin typeface="Nunito" pitchFamily="2" charset="0"/>
+              </a:rPr>
+              <a:t>different data-types</a:t>
+            </a:r>
+            <a:r>
+              <a:rPr lang="en-US" sz="2100" b="0" i="0" dirty="0">
+                <a:solidFill>
+                  <a:srgbClr val="273239"/>
+                </a:solidFill>
+                <a:effectLst/>
+                <a:latin typeface="Nunito" pitchFamily="2" charset="0"/>
+              </a:rPr>
+              <a:t>). </a:t>
+            </a:r>
+            <a:endParaRPr lang="en-IN" sz="2100" dirty="0"/>
+          </a:p>
+        </p:txBody>
+      </p:sp>
+    </p:spTree>
+    <p:extLst>
+      <p:ext uri="{BB962C8B-B14F-4D97-AF65-F5344CB8AC3E}">
+        <p14:creationId xmlns:p14="http://schemas.microsoft.com/office/powerpoint/2010/main" val="3313979026"/>
+      </p:ext>
+    </p:extLst>
+  </p:cSld>
+  <p:clrMapOvr>
+    <a:masterClrMapping/>
+  </p:clrMapOvr>
+</p:sld>
+</file>
+
+<file path=ppt/slides/slide46.xml><?xml version="1.0" encoding="utf-8"?>
+<p:sld xmlns:a="http://schemas.openxmlformats.org/drawingml/2006/main" xmlns:r="http://schemas.openxmlformats.org/officeDocument/2006/relationships" xmlns:p="http://schemas.openxmlformats.org/presentationml/2006/main">
+  <p:cSld>
+    <p:spTree>
+      <p:nvGrpSpPr>
+        <p:cNvPr id="1" name=""/>
+        <p:cNvGrpSpPr/>
+        <p:nvPr/>
+      </p:nvGrpSpPr>
+      <p:grpSpPr>
+        <a:xfrm>
+          <a:off x="0" y="0"/>
+          <a:ext cx="0" cy="0"/>
+          <a:chOff x="0" y="0"/>
+          <a:chExt cx="0" cy="0"/>
+        </a:xfrm>
+      </p:grpSpPr>
+      <p:sp>
+        <p:nvSpPr>
+          <p:cNvPr id="2" name="Title 1">
+            <a:extLst>
+              <a:ext uri="{FF2B5EF4-FFF2-40B4-BE49-F238E27FC236}">
+                <a16:creationId xmlns:a16="http://schemas.microsoft.com/office/drawing/2014/main" id="{22CF7374-382F-42A2-BE62-70AA2D71659D}"/>
+              </a:ext>
+            </a:extLst>
+          </p:cNvPr>
+          <p:cNvSpPr>
+            <a:spLocks noGrp="1"/>
+          </p:cNvSpPr>
+          <p:nvPr>
+            <p:ph type="title"/>
+          </p:nvPr>
+        </p:nvSpPr>
+        <p:spPr/>
+        <p:txBody>
+          <a:bodyPr/>
+          <a:lstStyle/>
+          <a:p>
+            <a:endParaRPr lang="en-IN" dirty="0"/>
+          </a:p>
+        </p:txBody>
+      </p:sp>
+      <p:sp>
+        <p:nvSpPr>
+          <p:cNvPr id="3" name="Content Placeholder 2">
+            <a:extLst>
+              <a:ext uri="{FF2B5EF4-FFF2-40B4-BE49-F238E27FC236}">
+                <a16:creationId xmlns:a16="http://schemas.microsoft.com/office/drawing/2014/main" id="{B1EF7A67-2707-42DB-B1CE-EC68341E9347}"/>
+              </a:ext>
+            </a:extLst>
+          </p:cNvPr>
+          <p:cNvSpPr>
+            <a:spLocks noGrp="1"/>
+          </p:cNvSpPr>
+          <p:nvPr>
+            <p:ph idx="1"/>
+          </p:nvPr>
+        </p:nvSpPr>
+        <p:spPr/>
+        <p:txBody>
+          <a:bodyPr>
+            <a:normAutofit/>
+          </a:bodyPr>
+          <a:lstStyle/>
+          <a:p>
+            <a:r>
+              <a:rPr lang="en-US" sz="2100" b="0" i="0" dirty="0">
+                <a:solidFill>
+                  <a:srgbClr val="273239"/>
+                </a:solidFill>
+                <a:effectLst/>
+                <a:latin typeface="Nunito" pitchFamily="2" charset="0"/>
+              </a:rPr>
+              <a:t>Both function overloading and templates are examples of </a:t>
+            </a:r>
+            <a:r>
+              <a:rPr lang="en-US" sz="2100" b="0" i="0" dirty="0">
+                <a:solidFill>
+                  <a:srgbClr val="273239"/>
+                </a:solidFill>
+                <a:effectLst/>
+                <a:highlight>
+                  <a:srgbClr val="FFFF00"/>
+                </a:highlight>
+                <a:latin typeface="Nunito" pitchFamily="2" charset="0"/>
+              </a:rPr>
+              <a:t>polymorphism features of OOP</a:t>
+            </a:r>
+            <a:r>
+              <a:rPr lang="en-US" sz="2100" b="0" i="0" dirty="0">
+                <a:solidFill>
+                  <a:srgbClr val="273239"/>
+                </a:solidFill>
+                <a:effectLst/>
+                <a:latin typeface="Nunito" pitchFamily="2" charset="0"/>
+              </a:rPr>
+              <a:t>. </a:t>
+            </a:r>
+          </a:p>
+          <a:p>
+            <a:r>
+              <a:rPr lang="en-US" sz="2100" b="0" i="0" dirty="0">
+                <a:solidFill>
+                  <a:srgbClr val="273239"/>
+                </a:solidFill>
+                <a:effectLst/>
+                <a:latin typeface="Nunito" pitchFamily="2" charset="0"/>
+              </a:rPr>
+              <a:t>Function overloading is used when multiple functions do quite similar (not identical) operations, templates are used when multiple functions do identical operations.</a:t>
+            </a:r>
+          </a:p>
+          <a:p>
+            <a:endParaRPr lang="en-US" sz="2100" dirty="0">
+              <a:solidFill>
+                <a:srgbClr val="273239"/>
+              </a:solidFill>
+              <a:latin typeface="Nunito" pitchFamily="2" charset="0"/>
+            </a:endParaRPr>
+          </a:p>
+          <a:p>
+            <a:endParaRPr lang="en-US" sz="2100" dirty="0">
+              <a:solidFill>
+                <a:srgbClr val="273239"/>
+              </a:solidFill>
+              <a:latin typeface="Nunito" pitchFamily="2" charset="0"/>
+            </a:endParaRPr>
+          </a:p>
+          <a:p>
+            <a:endParaRPr lang="en-US" sz="2100" dirty="0">
+              <a:solidFill>
+                <a:srgbClr val="273239"/>
+              </a:solidFill>
+              <a:latin typeface="Nunito" pitchFamily="2" charset="0"/>
+            </a:endParaRPr>
+          </a:p>
+          <a:p>
+            <a:endParaRPr lang="en-US" sz="2100" dirty="0">
+              <a:solidFill>
+                <a:srgbClr val="273239"/>
+              </a:solidFill>
+              <a:latin typeface="Nunito" pitchFamily="2" charset="0"/>
+            </a:endParaRPr>
+          </a:p>
+          <a:p>
+            <a:r>
+              <a:rPr lang="en-US" sz="2100" dirty="0">
+                <a:solidFill>
+                  <a:srgbClr val="273239"/>
+                </a:solidFill>
+                <a:latin typeface="Nunito" pitchFamily="2" charset="0"/>
+              </a:rPr>
+              <a:t>Note :- Template Argument Deduction for classes is valid of </a:t>
+            </a:r>
+            <a:r>
+              <a:rPr lang="en-US" sz="2100" dirty="0" err="1">
+                <a:solidFill>
+                  <a:srgbClr val="273239"/>
+                </a:solidFill>
+                <a:latin typeface="Nunito" pitchFamily="2" charset="0"/>
+              </a:rPr>
+              <a:t>c++</a:t>
+            </a:r>
+            <a:r>
+              <a:rPr lang="en-US" sz="2100" dirty="0">
+                <a:solidFill>
+                  <a:srgbClr val="273239"/>
+                </a:solidFill>
+                <a:latin typeface="Nunito" pitchFamily="2" charset="0"/>
+              </a:rPr>
+              <a:t>17 or latest only</a:t>
+            </a:r>
+            <a:endParaRPr lang="en-IN" sz="2100" dirty="0"/>
+          </a:p>
+        </p:txBody>
+      </p:sp>
+    </p:spTree>
+    <p:extLst>
+      <p:ext uri="{BB962C8B-B14F-4D97-AF65-F5344CB8AC3E}">
+        <p14:creationId xmlns:p14="http://schemas.microsoft.com/office/powerpoint/2010/main" val="1788375246"/>
+      </p:ext>
+    </p:extLst>
+  </p:cSld>
+  <p:clrMapOvr>
+    <a:masterClrMapping/>
+  </p:clrMapOvr>
+</p:sld>
+</file>
+
+<file path=ppt/slides/slide47.xml><?xml version="1.0" encoding="utf-8"?>
+<p:sld xmlns:a="http://schemas.openxmlformats.org/drawingml/2006/main" xmlns:r="http://schemas.openxmlformats.org/officeDocument/2006/relationships" xmlns:p="http://schemas.openxmlformats.org/presentationml/2006/main">
+  <p:cSld>
+    <p:spTree>
+      <p:nvGrpSpPr>
+        <p:cNvPr id="1" name=""/>
+        <p:cNvGrpSpPr/>
+        <p:nvPr/>
+      </p:nvGrpSpPr>
+      <p:grpSpPr>
+        <a:xfrm>
+          <a:off x="0" y="0"/>
+          <a:ext cx="0" cy="0"/>
+          <a:chOff x="0" y="0"/>
+          <a:chExt cx="0" cy="0"/>
+        </a:xfrm>
+      </p:grpSpPr>
+      <p:sp>
+        <p:nvSpPr>
+          <p:cNvPr id="2" name="Title 1">
+            <a:extLst>
+              <a:ext uri="{FF2B5EF4-FFF2-40B4-BE49-F238E27FC236}">
+                <a16:creationId xmlns:a16="http://schemas.microsoft.com/office/drawing/2014/main" id="{DC4BB350-3F7E-46C4-9F1C-26062A2C6D7B}"/>
+              </a:ext>
+            </a:extLst>
+          </p:cNvPr>
+          <p:cNvSpPr>
+            <a:spLocks noGrp="1"/>
+          </p:cNvSpPr>
+          <p:nvPr>
+            <p:ph type="title"/>
+          </p:nvPr>
+        </p:nvSpPr>
+        <p:spPr/>
+        <p:txBody>
+          <a:bodyPr/>
+          <a:lstStyle/>
+          <a:p>
+            <a:r>
+              <a:rPr lang="en-US" dirty="0"/>
+              <a:t>Template Specialization</a:t>
+            </a:r>
+            <a:endParaRPr lang="en-IN" dirty="0"/>
+          </a:p>
+        </p:txBody>
+      </p:sp>
+      <p:sp>
+        <p:nvSpPr>
+          <p:cNvPr id="3" name="Content Placeholder 2">
+            <a:extLst>
+              <a:ext uri="{FF2B5EF4-FFF2-40B4-BE49-F238E27FC236}">
+                <a16:creationId xmlns:a16="http://schemas.microsoft.com/office/drawing/2014/main" id="{EE90F5E9-3C4A-4C54-9FDA-3220A75A8685}"/>
+              </a:ext>
+            </a:extLst>
+          </p:cNvPr>
+          <p:cNvSpPr>
+            <a:spLocks noGrp="1"/>
+          </p:cNvSpPr>
+          <p:nvPr>
+            <p:ph idx="1"/>
+          </p:nvPr>
+        </p:nvSpPr>
+        <p:spPr/>
+        <p:txBody>
+          <a:bodyPr>
+            <a:normAutofit/>
+          </a:bodyPr>
+          <a:lstStyle/>
+          <a:p>
+            <a:r>
+              <a:rPr lang="en-US" sz="2200" b="0" i="0" dirty="0">
+                <a:solidFill>
+                  <a:srgbClr val="273239"/>
+                </a:solidFill>
+                <a:effectLst/>
+                <a:latin typeface="Nunito" pitchFamily="2" charset="0"/>
+              </a:rPr>
+              <a:t>For performing different task fo</a:t>
+            </a:r>
+            <a:r>
+              <a:rPr lang="en-US" sz="2200" dirty="0">
+                <a:solidFill>
+                  <a:srgbClr val="273239"/>
+                </a:solidFill>
+                <a:latin typeface="Nunito" pitchFamily="2" charset="0"/>
+              </a:rPr>
+              <a:t>r different </a:t>
+            </a:r>
+            <a:r>
+              <a:rPr lang="en-US" sz="2200" dirty="0" err="1">
+                <a:solidFill>
+                  <a:srgbClr val="273239"/>
+                </a:solidFill>
+                <a:latin typeface="Nunito" pitchFamily="2" charset="0"/>
+              </a:rPr>
+              <a:t>dataType</a:t>
+            </a:r>
+            <a:endParaRPr lang="en-US" sz="2200" b="0" i="0" dirty="0">
+              <a:solidFill>
+                <a:srgbClr val="273239"/>
+              </a:solidFill>
+              <a:effectLst/>
+              <a:latin typeface="Nunito" pitchFamily="2" charset="0"/>
+            </a:endParaRPr>
+          </a:p>
+          <a:p>
+            <a:r>
+              <a:rPr lang="en-US" sz="2200" b="0" i="0" dirty="0">
+                <a:solidFill>
+                  <a:srgbClr val="273239"/>
+                </a:solidFill>
+                <a:effectLst/>
+                <a:latin typeface="Nunito" pitchFamily="2" charset="0"/>
+              </a:rPr>
+              <a:t>Generic programming is an approach where generic data types are used as parameters in algorithms so that they work for variety of suitable data types.</a:t>
+            </a:r>
+            <a:br>
+              <a:rPr lang="en-US" sz="2200" dirty="0">
+                <a:latin typeface="Nunito" pitchFamily="2" charset="0"/>
+              </a:rPr>
+            </a:br>
+            <a:r>
+              <a:rPr lang="en-US" sz="2200" b="0" i="0" dirty="0">
+                <a:solidFill>
+                  <a:srgbClr val="273239"/>
+                </a:solidFill>
+                <a:effectLst/>
+                <a:latin typeface="Nunito" pitchFamily="2" charset="0"/>
+              </a:rPr>
+              <a:t>Templates are sometimes called parameterized classes or functions.</a:t>
+            </a:r>
+            <a:endParaRPr lang="en-IN" sz="2200" dirty="0">
+              <a:latin typeface="Nunito" pitchFamily="2" charset="0"/>
+            </a:endParaRPr>
+          </a:p>
+        </p:txBody>
+      </p:sp>
+    </p:spTree>
+    <p:extLst>
+      <p:ext uri="{BB962C8B-B14F-4D97-AF65-F5344CB8AC3E}">
+        <p14:creationId xmlns:p14="http://schemas.microsoft.com/office/powerpoint/2010/main" val="313398264"/>
+      </p:ext>
+    </p:extLst>
+  </p:cSld>
+  <p:clrMapOvr>
+    <a:masterClrMapping/>
+  </p:clrMapOvr>
+</p:sld>
+</file>
+
+<file path=ppt/slides/slide48.xml><?xml version="1.0" encoding="utf-8"?>
+<p:sld xmlns:a="http://schemas.openxmlformats.org/drawingml/2006/main" xmlns:r="http://schemas.openxmlformats.org/officeDocument/2006/relationships" xmlns:p="http://schemas.openxmlformats.org/presentationml/2006/main">
+  <p:cSld>
+    <p:spTree>
+      <p:nvGrpSpPr>
+        <p:cNvPr id="1" name=""/>
+        <p:cNvGrpSpPr/>
+        <p:nvPr/>
+      </p:nvGrpSpPr>
+      <p:grpSpPr>
+        <a:xfrm>
+          <a:off x="0" y="0"/>
+          <a:ext cx="0" cy="0"/>
+          <a:chOff x="0" y="0"/>
+          <a:chExt cx="0" cy="0"/>
+        </a:xfrm>
+      </p:grpSpPr>
+      <p:sp>
+        <p:nvSpPr>
+          <p:cNvPr id="2" name="Title 1">
+            <a:extLst>
+              <a:ext uri="{FF2B5EF4-FFF2-40B4-BE49-F238E27FC236}">
+                <a16:creationId xmlns:a16="http://schemas.microsoft.com/office/drawing/2014/main" id="{A2173D5B-E823-4A3B-980E-B3DA25663F7D}"/>
+              </a:ext>
+            </a:extLst>
+          </p:cNvPr>
+          <p:cNvSpPr>
+            <a:spLocks noGrp="1"/>
+          </p:cNvSpPr>
+          <p:nvPr>
+            <p:ph type="title"/>
+          </p:nvPr>
+        </p:nvSpPr>
+        <p:spPr/>
+        <p:txBody>
+          <a:bodyPr/>
+          <a:lstStyle/>
+          <a:p>
+            <a:r>
+              <a:rPr lang="en-US" dirty="0"/>
+              <a:t>Using Keyword</a:t>
+            </a:r>
+            <a:endParaRPr lang="en-IN" dirty="0"/>
+          </a:p>
+        </p:txBody>
+      </p:sp>
+      <p:sp>
+        <p:nvSpPr>
+          <p:cNvPr id="3" name="Content Placeholder 2">
+            <a:extLst>
+              <a:ext uri="{FF2B5EF4-FFF2-40B4-BE49-F238E27FC236}">
+                <a16:creationId xmlns:a16="http://schemas.microsoft.com/office/drawing/2014/main" id="{FACF63DE-ACC3-45E8-9AB7-CD2E8A068732}"/>
+              </a:ext>
+            </a:extLst>
+          </p:cNvPr>
+          <p:cNvSpPr>
+            <a:spLocks noGrp="1"/>
+          </p:cNvSpPr>
+          <p:nvPr>
+            <p:ph idx="1"/>
+          </p:nvPr>
+        </p:nvSpPr>
+        <p:spPr/>
+        <p:txBody>
+          <a:bodyPr/>
+          <a:lstStyle/>
+          <a:p>
+            <a:endParaRPr lang="en-IN"/>
+          </a:p>
+        </p:txBody>
+      </p:sp>
+    </p:spTree>
+    <p:extLst>
+      <p:ext uri="{BB962C8B-B14F-4D97-AF65-F5344CB8AC3E}">
+        <p14:creationId xmlns:p14="http://schemas.microsoft.com/office/powerpoint/2010/main" val="3022759"/>
+      </p:ext>
+    </p:extLst>
+  </p:cSld>
+  <p:clrMapOvr>
+    <a:masterClrMapping/>
+  </p:clrMapOvr>
+</p:sld>
+</file>
+
+<file path=ppt/slides/slide49.xml><?xml version="1.0" encoding="utf-8"?>
+<p:sld xmlns:a="http://schemas.openxmlformats.org/drawingml/2006/main" xmlns:r="http://schemas.openxmlformats.org/officeDocument/2006/relationships" xmlns:p="http://schemas.openxmlformats.org/presentationml/2006/main">
+  <p:cSld>
+    <p:spTree>
+      <p:nvGrpSpPr>
+        <p:cNvPr id="1" name=""/>
+        <p:cNvGrpSpPr/>
+        <p:nvPr/>
+      </p:nvGrpSpPr>
+      <p:grpSpPr>
+        <a:xfrm>
+          <a:off x="0" y="0"/>
+          <a:ext cx="0" cy="0"/>
+          <a:chOff x="0" y="0"/>
+          <a:chExt cx="0" cy="0"/>
+        </a:xfrm>
+      </p:grpSpPr>
+      <p:sp>
+        <p:nvSpPr>
+          <p:cNvPr id="2" name="Title 1">
+            <a:extLst>
+              <a:ext uri="{FF2B5EF4-FFF2-40B4-BE49-F238E27FC236}">
+                <a16:creationId xmlns:a16="http://schemas.microsoft.com/office/drawing/2014/main" id="{A3CFD9B1-16A5-405A-A963-545622B29871}"/>
+              </a:ext>
+            </a:extLst>
+          </p:cNvPr>
+          <p:cNvSpPr>
+            <a:spLocks noGrp="1"/>
+          </p:cNvSpPr>
+          <p:nvPr>
+            <p:ph type="title"/>
+          </p:nvPr>
+        </p:nvSpPr>
+        <p:spPr>
+          <a:xfrm>
+            <a:off x="457200" y="37514"/>
+            <a:ext cx="8229600" cy="429064"/>
+          </a:xfrm>
+        </p:spPr>
+        <p:txBody>
+          <a:bodyPr>
+            <a:normAutofit fontScale="90000"/>
+          </a:bodyPr>
+          <a:lstStyle/>
+          <a:p>
+            <a:r>
+              <a:rPr lang="en-US" dirty="0"/>
+              <a:t>Standard Template Library</a:t>
+            </a:r>
+            <a:endParaRPr lang="en-IN" dirty="0"/>
+          </a:p>
+        </p:txBody>
+      </p:sp>
+      <p:sp>
+        <p:nvSpPr>
+          <p:cNvPr id="3" name="Content Placeholder 2">
+            <a:extLst>
+              <a:ext uri="{FF2B5EF4-FFF2-40B4-BE49-F238E27FC236}">
+                <a16:creationId xmlns:a16="http://schemas.microsoft.com/office/drawing/2014/main" id="{294006EF-E8EB-40E9-A0FB-1DF4AAEAC57C}"/>
+              </a:ext>
+            </a:extLst>
+          </p:cNvPr>
+          <p:cNvSpPr>
+            <a:spLocks noGrp="1"/>
+          </p:cNvSpPr>
+          <p:nvPr>
+            <p:ph idx="1"/>
+          </p:nvPr>
+        </p:nvSpPr>
+        <p:spPr>
+          <a:xfrm>
+            <a:off x="457200" y="609601"/>
+            <a:ext cx="8229600" cy="6248400"/>
+          </a:xfrm>
+        </p:spPr>
+        <p:txBody>
+          <a:bodyPr>
+            <a:normAutofit/>
+          </a:bodyPr>
+          <a:lstStyle/>
+          <a:p>
+            <a:r>
+              <a:rPr lang="en-US" sz="2100" b="0" i="0" dirty="0">
+                <a:solidFill>
+                  <a:srgbClr val="273239"/>
+                </a:solidFill>
+                <a:effectLst/>
+                <a:latin typeface="Nunito" pitchFamily="2" charset="0"/>
+              </a:rPr>
+              <a:t>It is a set of C++ template classes to provide common programming data structures and functions such as lists, stacks, arrays, etc. </a:t>
+            </a:r>
+          </a:p>
+          <a:p>
+            <a:r>
+              <a:rPr lang="en-US" sz="2100" b="0" i="0" dirty="0">
+                <a:solidFill>
+                  <a:srgbClr val="273239"/>
+                </a:solidFill>
+                <a:effectLst/>
+                <a:latin typeface="Nunito" pitchFamily="2" charset="0"/>
+              </a:rPr>
+              <a:t>It is a library of container classes, algorithms, and iterators.</a:t>
+            </a:r>
+          </a:p>
+          <a:p>
+            <a:pPr marL="0" indent="0" fontAlgn="base">
+              <a:buNone/>
+            </a:pPr>
+            <a:r>
+              <a:rPr lang="en-US" sz="2100" b="0" i="0" dirty="0">
+                <a:solidFill>
+                  <a:srgbClr val="273239"/>
+                </a:solidFill>
+                <a:effectLst/>
+                <a:latin typeface="Nunito" pitchFamily="2" charset="0"/>
+              </a:rPr>
+              <a:t>. </a:t>
+            </a:r>
+            <a:endParaRPr lang="en-IN" sz="2100" dirty="0"/>
+          </a:p>
+        </p:txBody>
+      </p:sp>
+    </p:spTree>
+    <p:extLst>
+      <p:ext uri="{BB962C8B-B14F-4D97-AF65-F5344CB8AC3E}">
+        <p14:creationId xmlns:p14="http://schemas.microsoft.com/office/powerpoint/2010/main" val="2023572119"/>
+      </p:ext>
+    </p:extLst>
   </p:cSld>
   <p:clrMapOvr>
     <a:masterClrMapping/>
@@ -12474,6 +16326,391 @@
         </p:txBody>
       </p:sp>
     </p:spTree>
+  </p:cSld>
+  <p:clrMapOvr>
+    <a:masterClrMapping/>
+  </p:clrMapOvr>
+</p:sld>
+</file>
+
+<file path=ppt/slides/slide50.xml><?xml version="1.0" encoding="utf-8"?>
+<p:sld xmlns:a="http://schemas.openxmlformats.org/drawingml/2006/main" xmlns:r="http://schemas.openxmlformats.org/officeDocument/2006/relationships" xmlns:p="http://schemas.openxmlformats.org/presentationml/2006/main">
+  <p:cSld>
+    <p:spTree>
+      <p:nvGrpSpPr>
+        <p:cNvPr id="1" name=""/>
+        <p:cNvGrpSpPr/>
+        <p:nvPr/>
+      </p:nvGrpSpPr>
+      <p:grpSpPr>
+        <a:xfrm>
+          <a:off x="0" y="0"/>
+          <a:ext cx="0" cy="0"/>
+          <a:chOff x="0" y="0"/>
+          <a:chExt cx="0" cy="0"/>
+        </a:xfrm>
+      </p:grpSpPr>
+      <p:sp>
+        <p:nvSpPr>
+          <p:cNvPr id="2" name="Title 1">
+            <a:extLst>
+              <a:ext uri="{FF2B5EF4-FFF2-40B4-BE49-F238E27FC236}">
+                <a16:creationId xmlns:a16="http://schemas.microsoft.com/office/drawing/2014/main" id="{53DEADFF-0938-4DDB-8A24-7EB8B6949A5E}"/>
+              </a:ext>
+            </a:extLst>
+          </p:cNvPr>
+          <p:cNvSpPr>
+            <a:spLocks noGrp="1"/>
+          </p:cNvSpPr>
+          <p:nvPr>
+            <p:ph type="title"/>
+          </p:nvPr>
+        </p:nvSpPr>
+        <p:spPr/>
+        <p:txBody>
+          <a:bodyPr/>
+          <a:lstStyle/>
+          <a:p>
+            <a:r>
+              <a:rPr lang="en-US" dirty="0"/>
+              <a:t>Containers/classes</a:t>
+            </a:r>
+            <a:endParaRPr lang="en-IN" dirty="0"/>
+          </a:p>
+        </p:txBody>
+      </p:sp>
+      <p:sp>
+        <p:nvSpPr>
+          <p:cNvPr id="3" name="Content Placeholder 2">
+            <a:extLst>
+              <a:ext uri="{FF2B5EF4-FFF2-40B4-BE49-F238E27FC236}">
+                <a16:creationId xmlns:a16="http://schemas.microsoft.com/office/drawing/2014/main" id="{DDB30580-F20E-4455-B026-63E3A9741718}"/>
+              </a:ext>
+            </a:extLst>
+          </p:cNvPr>
+          <p:cNvSpPr>
+            <a:spLocks noGrp="1"/>
+          </p:cNvSpPr>
+          <p:nvPr>
+            <p:ph idx="1"/>
+          </p:nvPr>
+        </p:nvSpPr>
+        <p:spPr/>
+        <p:txBody>
+          <a:bodyPr>
+            <a:normAutofit/>
+          </a:bodyPr>
+          <a:lstStyle/>
+          <a:p>
+            <a:pPr fontAlgn="base"/>
+            <a:r>
+              <a:rPr lang="en-US" sz="2100" dirty="0">
+                <a:latin typeface="Nunito" pitchFamily="2" charset="0"/>
+              </a:rPr>
+              <a:t>It is a object which holds the data of certain types.</a:t>
+            </a:r>
+          </a:p>
+          <a:p>
+            <a:pPr fontAlgn="base"/>
+            <a:r>
+              <a:rPr lang="en-US" sz="2100" b="0" i="0" dirty="0">
+                <a:effectLst/>
+                <a:latin typeface="Nunito" pitchFamily="2" charset="0"/>
+              </a:rPr>
+              <a:t>The container manages the storage space for its elements and provides member functions to access them, either directly or through iterators.</a:t>
+            </a:r>
+          </a:p>
+          <a:p>
+            <a:pPr fontAlgn="base"/>
+            <a:r>
+              <a:rPr lang="en-US" sz="2100" dirty="0">
+                <a:latin typeface="Nunito" pitchFamily="2" charset="0"/>
+              </a:rPr>
+              <a:t>Sequence Container :- </a:t>
+            </a:r>
+          </a:p>
+          <a:p>
+            <a:pPr lvl="1" fontAlgn="base"/>
+            <a:r>
+              <a:rPr lang="en-US" sz="1700" dirty="0">
+                <a:latin typeface="Nunito" pitchFamily="2" charset="0"/>
+              </a:rPr>
+              <a:t>Array (Static Contiguous Memory)</a:t>
+            </a:r>
+          </a:p>
+          <a:p>
+            <a:pPr lvl="1" fontAlgn="base"/>
+            <a:r>
+              <a:rPr lang="en-US" sz="1700" dirty="0">
+                <a:latin typeface="Nunito" pitchFamily="2" charset="0"/>
+              </a:rPr>
+              <a:t>Vector (Dynamic Contiguous Memory)</a:t>
+            </a:r>
+          </a:p>
+          <a:p>
+            <a:pPr lvl="1" fontAlgn="base"/>
+            <a:r>
+              <a:rPr lang="en-US" sz="1700" dirty="0">
+                <a:latin typeface="Nunito" pitchFamily="2" charset="0"/>
+              </a:rPr>
+              <a:t>Set</a:t>
+            </a:r>
+          </a:p>
+          <a:p>
+            <a:pPr lvl="1" fontAlgn="base"/>
+            <a:r>
+              <a:rPr lang="en-US" sz="1700" dirty="0">
+                <a:latin typeface="Nunito" pitchFamily="2" charset="0"/>
+              </a:rPr>
+              <a:t>List (Doubly linked List)</a:t>
+            </a:r>
+          </a:p>
+          <a:p>
+            <a:pPr lvl="1" fontAlgn="base"/>
+            <a:r>
+              <a:rPr lang="en-US" sz="1700" dirty="0">
+                <a:latin typeface="Nunito" pitchFamily="2" charset="0"/>
+              </a:rPr>
+              <a:t>Forward-list</a:t>
+            </a:r>
+          </a:p>
+          <a:p>
+            <a:pPr lvl="1" fontAlgn="base"/>
+            <a:r>
+              <a:rPr lang="en-US" sz="1700" dirty="0">
+                <a:latin typeface="Nunito" pitchFamily="2" charset="0"/>
+              </a:rPr>
+              <a:t>De-que</a:t>
+            </a:r>
+            <a:endParaRPr lang="en-IN" sz="1700" dirty="0">
+              <a:latin typeface="Nunito" pitchFamily="2" charset="0"/>
+            </a:endParaRPr>
+          </a:p>
+        </p:txBody>
+      </p:sp>
+    </p:spTree>
+    <p:extLst>
+      <p:ext uri="{BB962C8B-B14F-4D97-AF65-F5344CB8AC3E}">
+        <p14:creationId xmlns:p14="http://schemas.microsoft.com/office/powerpoint/2010/main" val="1155740078"/>
+      </p:ext>
+    </p:extLst>
+  </p:cSld>
+  <p:clrMapOvr>
+    <a:masterClrMapping/>
+  </p:clrMapOvr>
+</p:sld>
+</file>
+
+<file path=ppt/slides/slide51.xml><?xml version="1.0" encoding="utf-8"?>
+<p:sld xmlns:a="http://schemas.openxmlformats.org/drawingml/2006/main" xmlns:r="http://schemas.openxmlformats.org/officeDocument/2006/relationships" xmlns:p="http://schemas.openxmlformats.org/presentationml/2006/main">
+  <p:cSld>
+    <p:spTree>
+      <p:nvGrpSpPr>
+        <p:cNvPr id="1" name=""/>
+        <p:cNvGrpSpPr/>
+        <p:nvPr/>
+      </p:nvGrpSpPr>
+      <p:grpSpPr>
+        <a:xfrm>
+          <a:off x="0" y="0"/>
+          <a:ext cx="0" cy="0"/>
+          <a:chOff x="0" y="0"/>
+          <a:chExt cx="0" cy="0"/>
+        </a:xfrm>
+      </p:grpSpPr>
+      <p:sp>
+        <p:nvSpPr>
+          <p:cNvPr id="2" name="Title 1">
+            <a:extLst>
+              <a:ext uri="{FF2B5EF4-FFF2-40B4-BE49-F238E27FC236}">
+                <a16:creationId xmlns:a16="http://schemas.microsoft.com/office/drawing/2014/main" id="{564DE985-4343-47E5-B9CE-CD6313FEFD33}"/>
+              </a:ext>
+            </a:extLst>
+          </p:cNvPr>
+          <p:cNvSpPr>
+            <a:spLocks noGrp="1"/>
+          </p:cNvSpPr>
+          <p:nvPr>
+            <p:ph type="title"/>
+          </p:nvPr>
+        </p:nvSpPr>
+        <p:spPr/>
+        <p:txBody>
+          <a:bodyPr/>
+          <a:lstStyle/>
+          <a:p>
+            <a:r>
+              <a:rPr lang="en-US" dirty="0"/>
+              <a:t>Preprocessor</a:t>
+            </a:r>
+            <a:endParaRPr lang="en-IN" dirty="0"/>
+          </a:p>
+        </p:txBody>
+      </p:sp>
+      <p:sp>
+        <p:nvSpPr>
+          <p:cNvPr id="3" name="Content Placeholder 2">
+            <a:extLst>
+              <a:ext uri="{FF2B5EF4-FFF2-40B4-BE49-F238E27FC236}">
+                <a16:creationId xmlns:a16="http://schemas.microsoft.com/office/drawing/2014/main" id="{C8B3CF43-CCA0-4F2A-ADEB-66925900A487}"/>
+              </a:ext>
+            </a:extLst>
+          </p:cNvPr>
+          <p:cNvSpPr>
+            <a:spLocks noGrp="1"/>
+          </p:cNvSpPr>
+          <p:nvPr>
+            <p:ph idx="1"/>
+          </p:nvPr>
+        </p:nvSpPr>
+        <p:spPr/>
+        <p:txBody>
+          <a:bodyPr/>
+          <a:lstStyle/>
+          <a:p>
+            <a:r>
+              <a:rPr lang="en-US"/>
+              <a:t>Same as in C</a:t>
+            </a:r>
+            <a:endParaRPr lang="en-IN"/>
+          </a:p>
+        </p:txBody>
+      </p:sp>
+    </p:spTree>
+    <p:extLst>
+      <p:ext uri="{BB962C8B-B14F-4D97-AF65-F5344CB8AC3E}">
+        <p14:creationId xmlns:p14="http://schemas.microsoft.com/office/powerpoint/2010/main" val="1102671506"/>
+      </p:ext>
+    </p:extLst>
+  </p:cSld>
+  <p:clrMapOvr>
+    <a:masterClrMapping/>
+  </p:clrMapOvr>
+</p:sld>
+</file>
+
+<file path=ppt/slides/slide52.xml><?xml version="1.0" encoding="utf-8"?>
+<p:sld xmlns:a="http://schemas.openxmlformats.org/drawingml/2006/main" xmlns:r="http://schemas.openxmlformats.org/officeDocument/2006/relationships" xmlns:p="http://schemas.openxmlformats.org/presentationml/2006/main">
+  <p:cSld>
+    <p:spTree>
+      <p:nvGrpSpPr>
+        <p:cNvPr id="1" name=""/>
+        <p:cNvGrpSpPr/>
+        <p:nvPr/>
+      </p:nvGrpSpPr>
+      <p:grpSpPr>
+        <a:xfrm>
+          <a:off x="0" y="0"/>
+          <a:ext cx="0" cy="0"/>
+          <a:chOff x="0" y="0"/>
+          <a:chExt cx="0" cy="0"/>
+        </a:xfrm>
+      </p:grpSpPr>
+      <p:sp>
+        <p:nvSpPr>
+          <p:cNvPr id="2" name="Title 1">
+            <a:extLst>
+              <a:ext uri="{FF2B5EF4-FFF2-40B4-BE49-F238E27FC236}">
+                <a16:creationId xmlns:a16="http://schemas.microsoft.com/office/drawing/2014/main" id="{98F2F14A-B409-4592-B275-514CC5C8E5AA}"/>
+              </a:ext>
+            </a:extLst>
+          </p:cNvPr>
+          <p:cNvSpPr>
+            <a:spLocks noGrp="1"/>
+          </p:cNvSpPr>
+          <p:nvPr>
+            <p:ph type="title"/>
+          </p:nvPr>
+        </p:nvSpPr>
+        <p:spPr/>
+        <p:txBody>
+          <a:bodyPr/>
+          <a:lstStyle/>
+          <a:p>
+            <a:r>
+              <a:rPr lang="en-IN" dirty="0">
+                <a:latin typeface="Nunito" pitchFamily="2" charset="0"/>
+              </a:rPr>
+              <a:t>Namespace</a:t>
+            </a:r>
+          </a:p>
+        </p:txBody>
+      </p:sp>
+      <p:sp>
+        <p:nvSpPr>
+          <p:cNvPr id="3" name="Content Placeholder 2">
+            <a:extLst>
+              <a:ext uri="{FF2B5EF4-FFF2-40B4-BE49-F238E27FC236}">
+                <a16:creationId xmlns:a16="http://schemas.microsoft.com/office/drawing/2014/main" id="{27FF3650-A17F-4B4C-A5D4-35A9BC27C175}"/>
+              </a:ext>
+            </a:extLst>
+          </p:cNvPr>
+          <p:cNvSpPr>
+            <a:spLocks noGrp="1"/>
+          </p:cNvSpPr>
+          <p:nvPr>
+            <p:ph idx="1"/>
+          </p:nvPr>
+        </p:nvSpPr>
+        <p:spPr/>
+        <p:txBody>
+          <a:bodyPr>
+            <a:normAutofit/>
+          </a:bodyPr>
+          <a:lstStyle/>
+          <a:p>
+            <a:r>
+              <a:rPr lang="en-IN" sz="2200" dirty="0">
+                <a:latin typeface="Nunito" pitchFamily="2" charset="0"/>
+              </a:rPr>
+              <a:t>They provide the extra space such that we can declare </a:t>
+            </a:r>
+            <a:r>
+              <a:rPr lang="en-IN" sz="2200" dirty="0" err="1">
+                <a:latin typeface="Nunito" pitchFamily="2" charset="0"/>
+              </a:rPr>
+              <a:t>variable,function</a:t>
+            </a:r>
+            <a:r>
+              <a:rPr lang="en-IN" sz="2200" dirty="0">
+                <a:latin typeface="Nunito" pitchFamily="2" charset="0"/>
+              </a:rPr>
+              <a:t> and class (could be of same name)</a:t>
+            </a:r>
+          </a:p>
+          <a:p>
+            <a:r>
+              <a:rPr lang="en-IN" sz="2200" dirty="0">
+                <a:latin typeface="Nunito" pitchFamily="2" charset="0"/>
+              </a:rPr>
+              <a:t>Basically provide different space (large scope)</a:t>
+            </a:r>
+          </a:p>
+          <a:p>
+            <a:r>
+              <a:rPr lang="en-IN" sz="2200" dirty="0">
+                <a:latin typeface="Nunito" pitchFamily="2" charset="0"/>
+              </a:rPr>
+              <a:t>Namespace doesn’t have specifiers (</a:t>
+            </a:r>
+            <a:r>
+              <a:rPr lang="en-IN" sz="2200">
+                <a:latin typeface="Nunito" pitchFamily="2" charset="0"/>
+              </a:rPr>
+              <a:t>public private )</a:t>
+            </a:r>
+            <a:endParaRPr lang="en-IN" sz="2200" dirty="0">
+              <a:latin typeface="Nunito" pitchFamily="2" charset="0"/>
+            </a:endParaRPr>
+          </a:p>
+        </p:txBody>
+      </p:sp>
+    </p:spTree>
+    <p:extLst>
+      <p:ext uri="{BB962C8B-B14F-4D97-AF65-F5344CB8AC3E}">
+        <p14:creationId xmlns:p14="http://schemas.microsoft.com/office/powerpoint/2010/main" val="3451799142"/>
+      </p:ext>
+    </p:extLst>
   </p:cSld>
   <p:clrMapOvr>
     <a:masterClrMapping/>
